--- a/slides/Unit 2 - Class 15.pptx
+++ b/slides/Unit 2 - Class 15.pptx
@@ -13,19 +13,19 @@
   <p:sldIdLst>
     <p:sldId id="256" r:id="rId2"/>
     <p:sldId id="294" r:id="rId3"/>
-    <p:sldId id="625" r:id="rId4"/>
-    <p:sldId id="626" r:id="rId5"/>
-    <p:sldId id="696" r:id="rId6"/>
-    <p:sldId id="703" r:id="rId7"/>
-    <p:sldId id="627" r:id="rId8"/>
-    <p:sldId id="697" r:id="rId9"/>
-    <p:sldId id="698" r:id="rId10"/>
-    <p:sldId id="699" r:id="rId11"/>
-    <p:sldId id="700" r:id="rId12"/>
-    <p:sldId id="701" r:id="rId13"/>
-    <p:sldId id="702" r:id="rId14"/>
-    <p:sldId id="704" r:id="rId15"/>
-    <p:sldId id="705" r:id="rId16"/>
+    <p:sldId id="704" r:id="rId4"/>
+    <p:sldId id="705" r:id="rId5"/>
+    <p:sldId id="626" r:id="rId6"/>
+    <p:sldId id="625" r:id="rId7"/>
+    <p:sldId id="696" r:id="rId8"/>
+    <p:sldId id="703" r:id="rId9"/>
+    <p:sldId id="701" r:id="rId10"/>
+    <p:sldId id="702" r:id="rId11"/>
+    <p:sldId id="627" r:id="rId12"/>
+    <p:sldId id="697" r:id="rId13"/>
+    <p:sldId id="698" r:id="rId14"/>
+    <p:sldId id="699" r:id="rId15"/>
+    <p:sldId id="700" r:id="rId16"/>
     <p:sldId id="407" r:id="rId17"/>
     <p:sldId id="485" r:id="rId18"/>
   </p:sldIdLst>
@@ -1121,7 +1121,7 @@
             <a:pPr lvl="0"/>
             <a:fld id="{39EC8647-F2F3-EE47-A182-5E45D159C46D}" type="slidenum">
               <a:rPr lang="en-US" smtClean="0"/>
-              <a:t>13</a:t>
+              <a:t>10</a:t>
             </a:fld>
             <a:endParaRPr lang="en-US"/>
           </a:p>
@@ -1256,7 +1256,7 @@
               </a:defRPr>
             </a:pPr>
             <a:fld id="{E2DD7A52-8492-7F47-AFDC-8D554A3EF261}" type="slidenum">
-              <a:t>14</a:t>
+              <a:t>11</a:t>
             </a:fld>
             <a:endParaRPr lang="en-US" sz="1400" b="0" i="0" u="none" strike="noStrike" kern="1200" cap="none" spc="0" baseline="0">
               <a:solidFill>
@@ -1273,7 +1273,7 @@
     </p:spTree>
     <p:extLst>
       <p:ext uri="{BB962C8B-B14F-4D97-AF65-F5344CB8AC3E}">
-        <p14:creationId xmlns:p14="http://schemas.microsoft.com/office/powerpoint/2010/main" val="3500816587"/>
+        <p14:creationId xmlns:p14="http://schemas.microsoft.com/office/powerpoint/2010/main" val="3014413109"/>
       </p:ext>
     </p:extLst>
   </p:cSld>
@@ -1302,13 +1302,7 @@
       </p:grpSpPr>
       <p:sp>
         <p:nvSpPr>
-          <p:cNvPr id="2" name="Slide Image Placeholder 1">
-            <a:extLst>
-              <a:ext uri="{FF2B5EF4-FFF2-40B4-BE49-F238E27FC236}">
-                <a16:creationId xmlns:a16="http://schemas.microsoft.com/office/drawing/2014/main" id="{0A5914A5-3891-324A-BDEB-89AAEDF0B23E}"/>
-              </a:ext>
-            </a:extLst>
-          </p:cNvPr>
+          <p:cNvPr id="2" name="Slide Image Placeholder 1"/>
           <p:cNvSpPr>
             <a:spLocks noGrp="1" noRot="1" noChangeAspect="1"/>
           </p:cNvSpPr>
@@ -1325,18 +1319,12 @@
       </p:sp>
       <p:sp>
         <p:nvSpPr>
-          <p:cNvPr id="3" name="Notes Placeholder 2">
-            <a:extLst>
-              <a:ext uri="{FF2B5EF4-FFF2-40B4-BE49-F238E27FC236}">
-                <a16:creationId xmlns:a16="http://schemas.microsoft.com/office/drawing/2014/main" id="{3C801E4C-99C2-8C45-BFD3-B31C286DE4C3}"/>
-              </a:ext>
-            </a:extLst>
-          </p:cNvPr>
-          <p:cNvSpPr txBox="1">
+          <p:cNvPr id="3" name="Notes Placeholder 2"/>
+          <p:cNvSpPr>
             <a:spLocks noGrp="1"/>
           </p:cNvSpPr>
           <p:nvPr>
-            <p:ph type="body" sz="quarter" idx="1"/>
+            <p:ph type="body" idx="1"/>
           </p:nvPr>
         </p:nvSpPr>
         <p:spPr/>
@@ -1344,79 +1332,65 @@
           <a:bodyPr/>
           <a:lstStyle/>
           <a:p>
-            <a:endParaRPr lang="en-US"/>
-          </a:p>
-        </p:txBody>
-      </p:sp>
-      <p:sp>
-        <p:nvSpPr>
-          <p:cNvPr id="4" name="Slide Number Placeholder 3">
-            <a:extLst>
-              <a:ext uri="{FF2B5EF4-FFF2-40B4-BE49-F238E27FC236}">
-                <a16:creationId xmlns:a16="http://schemas.microsoft.com/office/drawing/2014/main" id="{B8123750-4169-B74B-9BA2-1E647E937AE7}"/>
-              </a:ext>
-            </a:extLst>
-          </p:cNvPr>
-          <p:cNvSpPr txBox="1"/>
-          <p:nvPr/>
-        </p:nvSpPr>
-        <p:spPr>
-          <a:xfrm>
-            <a:off x="4399196" y="9555480"/>
-            <a:ext cx="3372837" cy="502563"/>
-          </a:xfrm>
-          <a:prstGeom prst="rect">
-            <a:avLst/>
-          </a:prstGeom>
-          <a:noFill/>
-          <a:ln cap="flat">
-            <a:noFill/>
-          </a:ln>
-        </p:spPr>
-        <p:txBody>
-          <a:bodyPr vert="horz" wrap="square" lIns="0" tIns="0" rIns="0" bIns="0" anchor="b" anchorCtr="0" compatLnSpc="1">
-            <a:noAutofit/>
-          </a:bodyPr>
+            <a:r>
+              <a:rPr lang="en-US" dirty="0"/>
+              <a:t>Don’t want to call real service but fake it. Spy is used for that purpose. U have to pass the name of the method that u want to spy on. So when the method is called, instead of executing it, we need to return a dummy value instead. async creates the async testing environment in Angular. When stable waits for the environment is stable and mimics the real environment. </a:t>
+            </a:r>
+            <a:r>
+              <a:rPr lang="en-US" dirty="0" err="1"/>
+              <a:t>fakeAsync</a:t>
+            </a:r>
+            <a:r>
+              <a:rPr lang="en-US" dirty="0"/>
+              <a:t> allows us to get ready of when stable, use tick instead. In an </a:t>
+            </a:r>
+            <a:r>
+              <a:rPr lang="en-US" dirty="0" err="1"/>
+              <a:t>aysn</a:t>
+            </a:r>
+            <a:r>
+              <a:rPr lang="en-US" dirty="0"/>
+              <a:t> environment, finish all activity and get the data needed. So async with stable or </a:t>
+            </a:r>
+            <a:r>
+              <a:rPr lang="en-US" dirty="0" err="1"/>
+              <a:t>fakeAsync</a:t>
+            </a:r>
+            <a:r>
+              <a:rPr lang="en-US" dirty="0"/>
+              <a:t> with tick. </a:t>
+            </a:r>
+          </a:p>
+        </p:txBody>
+      </p:sp>
+      <p:sp>
+        <p:nvSpPr>
+          <p:cNvPr id="4" name="Slide Number Placeholder 3"/>
+          <p:cNvSpPr>
+            <a:spLocks noGrp="1"/>
+          </p:cNvSpPr>
+          <p:nvPr>
+            <p:ph type="sldNum" sz="quarter" idx="5"/>
+          </p:nvPr>
+        </p:nvSpPr>
+        <p:spPr/>
+        <p:txBody>
+          <a:bodyPr/>
           <a:lstStyle/>
           <a:p>
-            <a:pPr marL="0" marR="0" lvl="0" indent="0" algn="r" defTabSz="914400" rtl="0" fontAlgn="auto" hangingPunct="0">
-              <a:lnSpc>
-                <a:spcPct val="100000"/>
-              </a:lnSpc>
-              <a:spcBef>
-                <a:spcPts val="0"/>
-              </a:spcBef>
-              <a:spcAft>
-                <a:spcPts val="0"/>
-              </a:spcAft>
-              <a:buNone/>
-              <a:tabLst/>
-              <a:defRPr sz="1800" b="0" i="0" u="none" strike="noStrike" kern="0" cap="none" spc="0" baseline="0">
-                <a:solidFill>
-                  <a:srgbClr val="000000"/>
-                </a:solidFill>
-                <a:uFillTx/>
-              </a:defRPr>
-            </a:pPr>
-            <a:fld id="{E2DD7A52-8492-7F47-AFDC-8D554A3EF261}" type="slidenum">
+            <a:pPr lvl="0"/>
+            <a:fld id="{39EC8647-F2F3-EE47-A182-5E45D159C46D}" type="slidenum">
+              <a:rPr lang="en-US" smtClean="0"/>
               <a:t>15</a:t>
             </a:fld>
-            <a:endParaRPr lang="en-US" sz="1400" b="0" i="0" u="none" strike="noStrike" kern="1200" cap="none" spc="0" baseline="0">
-              <a:solidFill>
-                <a:srgbClr val="000000"/>
-              </a:solidFill>
-              <a:uFillTx/>
-              <a:latin typeface="Times New Roman" pitchFamily="18"/>
-              <a:ea typeface="Arial Unicode MS" pitchFamily="2"/>
-              <a:cs typeface="Tahoma" pitchFamily="2"/>
-            </a:endParaRPr>
+            <a:endParaRPr lang="en-US"/>
           </a:p>
         </p:txBody>
       </p:sp>
     </p:spTree>
     <p:extLst>
       <p:ext uri="{BB962C8B-B14F-4D97-AF65-F5344CB8AC3E}">
-        <p14:creationId xmlns:p14="http://schemas.microsoft.com/office/powerpoint/2010/main" val="1535986246"/>
+        <p14:creationId xmlns:p14="http://schemas.microsoft.com/office/powerpoint/2010/main" val="1830258439"/>
       </p:ext>
     </p:extLst>
   </p:cSld>
@@ -1625,7 +1599,117 @@
           <a:bodyPr/>
           <a:lstStyle/>
           <a:p>
-            <a:endParaRPr lang="en-US"/>
+            <a:pPr marL="215999" marR="0" lvl="0" indent="-215999" defTabSz="914400" rtl="0" eaLnBrk="1" fontAlgn="auto" latinLnBrk="0" hangingPunct="0">
+              <a:lnSpc>
+                <a:spcPct val="100000"/>
+              </a:lnSpc>
+              <a:spcBef>
+                <a:spcPts val="0"/>
+              </a:spcBef>
+              <a:spcAft>
+                <a:spcPts val="0"/>
+              </a:spcAft>
+              <a:buClrTx/>
+              <a:buSzTx/>
+              <a:buFontTx/>
+              <a:buNone/>
+              <a:tabLst/>
+              <a:defRPr/>
+            </a:pPr>
+            <a:r>
+              <a:rPr lang="en-US" sz="2000" b="0" i="0" u="none" strike="noStrike" kern="1200" cap="none" spc="0" baseline="0" dirty="0">
+                <a:solidFill>
+                  <a:srgbClr val="000000"/>
+                </a:solidFill>
+                <a:effectLst/>
+                <a:uFillTx/>
+                <a:latin typeface="Liberation Sans" pitchFamily="18"/>
+                <a:ea typeface="Microsoft YaHei" pitchFamily="2"/>
+                <a:cs typeface="Arial" pitchFamily="2"/>
+              </a:rPr>
+              <a:t>http://</a:t>
+            </a:r>
+            <a:r>
+              <a:rPr lang="en-US" sz="2000" b="0" i="0" u="none" strike="noStrike" kern="1200" cap="none" spc="0" baseline="0" dirty="0" err="1">
+                <a:solidFill>
+                  <a:srgbClr val="000000"/>
+                </a:solidFill>
+                <a:effectLst/>
+                <a:uFillTx/>
+                <a:latin typeface="Liberation Sans" pitchFamily="18"/>
+                <a:ea typeface="Microsoft YaHei" pitchFamily="2"/>
+                <a:cs typeface="Arial" pitchFamily="2"/>
+              </a:rPr>
+              <a:t>api.weatherstack.com</a:t>
+            </a:r>
+            <a:r>
+              <a:rPr lang="en-US" sz="2000" b="0" i="0" u="none" strike="noStrike" kern="1200" cap="none" spc="0" baseline="0" dirty="0">
+                <a:solidFill>
+                  <a:srgbClr val="000000"/>
+                </a:solidFill>
+                <a:effectLst/>
+                <a:uFillTx/>
+                <a:latin typeface="Liberation Sans" pitchFamily="18"/>
+                <a:ea typeface="Microsoft YaHei" pitchFamily="2"/>
+                <a:cs typeface="Arial" pitchFamily="2"/>
+              </a:rPr>
+              <a:t>/</a:t>
+            </a:r>
+            <a:r>
+              <a:rPr lang="en-US" sz="2000" b="0" i="0" u="none" strike="noStrike" kern="1200" cap="none" spc="0" baseline="0" dirty="0" err="1">
+                <a:solidFill>
+                  <a:srgbClr val="000000"/>
+                </a:solidFill>
+                <a:effectLst/>
+                <a:uFillTx/>
+                <a:latin typeface="Liberation Sans" pitchFamily="18"/>
+                <a:ea typeface="Microsoft YaHei" pitchFamily="2"/>
+                <a:cs typeface="Arial" pitchFamily="2"/>
+              </a:rPr>
+              <a:t>current?access_key</a:t>
+            </a:r>
+            <a:r>
+              <a:rPr lang="en-US" sz="2000" b="0" i="0" u="none" strike="noStrike" kern="1200" cap="none" spc="0" baseline="0" dirty="0">
+                <a:solidFill>
+                  <a:srgbClr val="000000"/>
+                </a:solidFill>
+                <a:effectLst/>
+                <a:uFillTx/>
+                <a:latin typeface="Liberation Sans" pitchFamily="18"/>
+                <a:ea typeface="Microsoft YaHei" pitchFamily="2"/>
+                <a:cs typeface="Arial" pitchFamily="2"/>
+              </a:rPr>
+              <a:t>=04bd8fafbb30ee63c16f382a1d6aa404&amp;units=</a:t>
+            </a:r>
+            <a:r>
+              <a:rPr lang="en-US" sz="2000" b="0" i="0" u="none" strike="noStrike" kern="1200" cap="none" spc="0" baseline="0" dirty="0" err="1">
+                <a:solidFill>
+                  <a:srgbClr val="000000"/>
+                </a:solidFill>
+                <a:effectLst/>
+                <a:uFillTx/>
+                <a:latin typeface="Liberation Sans" pitchFamily="18"/>
+                <a:ea typeface="Microsoft YaHei" pitchFamily="2"/>
+                <a:cs typeface="Arial" pitchFamily="2"/>
+              </a:rPr>
+              <a:t>f&amp;query</a:t>
+            </a:r>
+            <a:r>
+              <a:rPr lang="en-US" sz="2000" b="0" i="0" u="none" strike="noStrike" kern="1200" cap="none" spc="0" baseline="0" dirty="0">
+                <a:solidFill>
+                  <a:srgbClr val="000000"/>
+                </a:solidFill>
+                <a:effectLst/>
+                <a:uFillTx/>
+                <a:latin typeface="Liberation Sans" pitchFamily="18"/>
+                <a:ea typeface="Microsoft YaHei" pitchFamily="2"/>
+                <a:cs typeface="Arial" pitchFamily="2"/>
+              </a:rPr>
+              <a:t>=63303</a:t>
+            </a:r>
+          </a:p>
+          <a:p>
+            <a:endParaRPr lang="en-US" dirty="0"/>
           </a:p>
         </p:txBody>
       </p:sp>
@@ -1697,7 +1781,7 @@
     </p:spTree>
     <p:extLst>
       <p:ext uri="{BB962C8B-B14F-4D97-AF65-F5344CB8AC3E}">
-        <p14:creationId xmlns:p14="http://schemas.microsoft.com/office/powerpoint/2010/main" val="2122900072"/>
+        <p14:creationId xmlns:p14="http://schemas.microsoft.com/office/powerpoint/2010/main" val="736638680"/>
       </p:ext>
     </p:extLst>
   </p:cSld>
@@ -1768,7 +1852,7 @@
           <a:bodyPr/>
           <a:lstStyle/>
           <a:p>
-            <a:endParaRPr lang="en-US"/>
+            <a:endParaRPr lang="en-US" dirty="0"/>
           </a:p>
         </p:txBody>
       </p:sp>
@@ -1840,7 +1924,7 @@
     </p:spTree>
     <p:extLst>
       <p:ext uri="{BB962C8B-B14F-4D97-AF65-F5344CB8AC3E}">
-        <p14:creationId xmlns:p14="http://schemas.microsoft.com/office/powerpoint/2010/main" val="2498360251"/>
+        <p14:creationId xmlns:p14="http://schemas.microsoft.com/office/powerpoint/2010/main" val="911123407"/>
       </p:ext>
     </p:extLst>
   </p:cSld>
@@ -1983,7 +2067,7 @@
     </p:spTree>
     <p:extLst>
       <p:ext uri="{BB962C8B-B14F-4D97-AF65-F5344CB8AC3E}">
-        <p14:creationId xmlns:p14="http://schemas.microsoft.com/office/powerpoint/2010/main" val="337324079"/>
+        <p14:creationId xmlns:p14="http://schemas.microsoft.com/office/powerpoint/2010/main" val="2498360251"/>
       </p:ext>
     </p:extLst>
   </p:cSld>
@@ -2126,7 +2210,7 @@
     </p:spTree>
     <p:extLst>
       <p:ext uri="{BB962C8B-B14F-4D97-AF65-F5344CB8AC3E}">
-        <p14:creationId xmlns:p14="http://schemas.microsoft.com/office/powerpoint/2010/main" val="1829160842"/>
+        <p14:creationId xmlns:p14="http://schemas.microsoft.com/office/powerpoint/2010/main" val="2122900072"/>
       </p:ext>
     </p:extLst>
   </p:cSld>
@@ -2269,7 +2353,7 @@
     </p:spTree>
     <p:extLst>
       <p:ext uri="{BB962C8B-B14F-4D97-AF65-F5344CB8AC3E}">
-        <p14:creationId xmlns:p14="http://schemas.microsoft.com/office/powerpoint/2010/main" val="3014413109"/>
+        <p14:creationId xmlns:p14="http://schemas.microsoft.com/office/powerpoint/2010/main" val="337324079"/>
       </p:ext>
     </p:extLst>
   </p:cSld>
@@ -2298,7 +2382,13 @@
       </p:grpSpPr>
       <p:sp>
         <p:nvSpPr>
-          <p:cNvPr id="2" name="Slide Image Placeholder 1"/>
+          <p:cNvPr id="2" name="Slide Image Placeholder 1">
+            <a:extLst>
+              <a:ext uri="{FF2B5EF4-FFF2-40B4-BE49-F238E27FC236}">
+                <a16:creationId xmlns:a16="http://schemas.microsoft.com/office/drawing/2014/main" id="{0A5914A5-3891-324A-BDEB-89AAEDF0B23E}"/>
+              </a:ext>
+            </a:extLst>
+          </p:cNvPr>
           <p:cNvSpPr>
             <a:spLocks noGrp="1" noRot="1" noChangeAspect="1"/>
           </p:cNvSpPr>
@@ -2315,12 +2405,18 @@
       </p:sp>
       <p:sp>
         <p:nvSpPr>
-          <p:cNvPr id="3" name="Notes Placeholder 2"/>
-          <p:cNvSpPr>
+          <p:cNvPr id="3" name="Notes Placeholder 2">
+            <a:extLst>
+              <a:ext uri="{FF2B5EF4-FFF2-40B4-BE49-F238E27FC236}">
+                <a16:creationId xmlns:a16="http://schemas.microsoft.com/office/drawing/2014/main" id="{3C801E4C-99C2-8C45-BFD3-B31C286DE4C3}"/>
+              </a:ext>
+            </a:extLst>
+          </p:cNvPr>
+          <p:cNvSpPr txBox="1">
             <a:spLocks noGrp="1"/>
           </p:cNvSpPr>
           <p:nvPr>
-            <p:ph type="body" idx="1"/>
+            <p:ph type="body" sz="quarter" idx="1"/>
           </p:nvPr>
         </p:nvSpPr>
         <p:spPr/>
@@ -2328,65 +2424,79 @@
           <a:bodyPr/>
           <a:lstStyle/>
           <a:p>
-            <a:r>
-              <a:rPr lang="en-US" dirty="0"/>
-              <a:t>Don’t want to call real service but fake it. Spy is used for that purpose. U have to pass the name of the method that u want to spy on. So when the method is called, instead of executing it, we need to return a dummy value instead. async creates the async testing environment in Angular. When stable waits for the environment is stable and mimics the real environment. </a:t>
-            </a:r>
-            <a:r>
-              <a:rPr lang="en-US" dirty="0" err="1"/>
-              <a:t>fakeAsync</a:t>
-            </a:r>
-            <a:r>
-              <a:rPr lang="en-US" dirty="0"/>
-              <a:t> allows us to get ready of when stable, use tick instead. In an </a:t>
-            </a:r>
-            <a:r>
-              <a:rPr lang="en-US" dirty="0" err="1"/>
-              <a:t>aysn</a:t>
-            </a:r>
-            <a:r>
-              <a:rPr lang="en-US" dirty="0"/>
-              <a:t> environment, finish all activity and get the data needed. So async with stable or </a:t>
-            </a:r>
-            <a:r>
-              <a:rPr lang="en-US" dirty="0" err="1"/>
-              <a:t>fakeAsync</a:t>
-            </a:r>
-            <a:r>
-              <a:rPr lang="en-US" dirty="0"/>
-              <a:t> with tick. </a:t>
-            </a:r>
-          </a:p>
-        </p:txBody>
-      </p:sp>
-      <p:sp>
-        <p:nvSpPr>
-          <p:cNvPr id="4" name="Slide Number Placeholder 3"/>
-          <p:cNvSpPr>
-            <a:spLocks noGrp="1"/>
-          </p:cNvSpPr>
-          <p:nvPr>
-            <p:ph type="sldNum" sz="quarter" idx="5"/>
-          </p:nvPr>
-        </p:nvSpPr>
-        <p:spPr/>
-        <p:txBody>
-          <a:bodyPr/>
+            <a:endParaRPr lang="en-US"/>
+          </a:p>
+        </p:txBody>
+      </p:sp>
+      <p:sp>
+        <p:nvSpPr>
+          <p:cNvPr id="4" name="Slide Number Placeholder 3">
+            <a:extLst>
+              <a:ext uri="{FF2B5EF4-FFF2-40B4-BE49-F238E27FC236}">
+                <a16:creationId xmlns:a16="http://schemas.microsoft.com/office/drawing/2014/main" id="{B8123750-4169-B74B-9BA2-1E647E937AE7}"/>
+              </a:ext>
+            </a:extLst>
+          </p:cNvPr>
+          <p:cNvSpPr txBox="1"/>
+          <p:nvPr/>
+        </p:nvSpPr>
+        <p:spPr>
+          <a:xfrm>
+            <a:off x="4399196" y="9555480"/>
+            <a:ext cx="3372837" cy="502563"/>
+          </a:xfrm>
+          <a:prstGeom prst="rect">
+            <a:avLst/>
+          </a:prstGeom>
+          <a:noFill/>
+          <a:ln cap="flat">
+            <a:noFill/>
+          </a:ln>
+        </p:spPr>
+        <p:txBody>
+          <a:bodyPr vert="horz" wrap="square" lIns="0" tIns="0" rIns="0" bIns="0" anchor="b" anchorCtr="0" compatLnSpc="1">
+            <a:noAutofit/>
+          </a:bodyPr>
           <a:lstStyle/>
           <a:p>
-            <a:pPr lvl="0"/>
-            <a:fld id="{39EC8647-F2F3-EE47-A182-5E45D159C46D}" type="slidenum">
-              <a:rPr lang="en-US" smtClean="0"/>
-              <a:t>11</a:t>
+            <a:pPr marL="0" marR="0" lvl="0" indent="0" algn="r" defTabSz="914400" rtl="0" fontAlgn="auto" hangingPunct="0">
+              <a:lnSpc>
+                <a:spcPct val="100000"/>
+              </a:lnSpc>
+              <a:spcBef>
+                <a:spcPts val="0"/>
+              </a:spcBef>
+              <a:spcAft>
+                <a:spcPts val="0"/>
+              </a:spcAft>
+              <a:buNone/>
+              <a:tabLst/>
+              <a:defRPr sz="1800" b="0" i="0" u="none" strike="noStrike" kern="0" cap="none" spc="0" baseline="0">
+                <a:solidFill>
+                  <a:srgbClr val="000000"/>
+                </a:solidFill>
+                <a:uFillTx/>
+              </a:defRPr>
+            </a:pPr>
+            <a:fld id="{E2DD7A52-8492-7F47-AFDC-8D554A3EF261}" type="slidenum">
+              <a:t>8</a:t>
             </a:fld>
-            <a:endParaRPr lang="en-US"/>
+            <a:endParaRPr lang="en-US" sz="1400" b="0" i="0" u="none" strike="noStrike" kern="1200" cap="none" spc="0" baseline="0">
+              <a:solidFill>
+                <a:srgbClr val="000000"/>
+              </a:solidFill>
+              <a:uFillTx/>
+              <a:latin typeface="Times New Roman" pitchFamily="18"/>
+              <a:ea typeface="Arial Unicode MS" pitchFamily="2"/>
+              <a:cs typeface="Tahoma" pitchFamily="2"/>
+            </a:endParaRPr>
           </a:p>
         </p:txBody>
       </p:sp>
     </p:spTree>
     <p:extLst>
       <p:ext uri="{BB962C8B-B14F-4D97-AF65-F5344CB8AC3E}">
-        <p14:creationId xmlns:p14="http://schemas.microsoft.com/office/powerpoint/2010/main" val="1830258439"/>
+        <p14:creationId xmlns:p14="http://schemas.microsoft.com/office/powerpoint/2010/main" val="1829160842"/>
       </p:ext>
     </p:extLst>
   </p:cSld>
@@ -2515,7 +2625,7 @@
               </a:defRPr>
             </a:pPr>
             <a:fld id="{E2DD7A52-8492-7F47-AFDC-8D554A3EF261}" type="slidenum">
-              <a:t>12</a:t>
+              <a:t>9</a:t>
             </a:fld>
             <a:endParaRPr lang="en-US" sz="1400" b="0" i="0" u="none" strike="noStrike" kern="1200" cap="none" spc="0" baseline="0">
               <a:solidFill>
@@ -7096,7 +7206,7 @@
           <a:p>
             <a:r>
               <a:rPr lang="en-US" dirty="0"/>
-              <a:t>CREATING USER SERVICE TEST</a:t>
+              <a:t>TESTING PIPE FUNCTION</a:t>
             </a:r>
           </a:p>
         </p:txBody>
@@ -7116,6 +7226,1150 @@
           <p:nvPr>
             <p:extLst>
               <p:ext uri="{D42A27DB-BD31-4B8C-83A1-F6EECF244321}">
+                <p14:modId xmlns:p14="http://schemas.microsoft.com/office/powerpoint/2010/main" val="21908564"/>
+              </p:ext>
+            </p:extLst>
+          </p:nvPr>
+        </p:nvGraphicFramePr>
+        <p:xfrm>
+          <a:off x="998538" y="2309190"/>
+          <a:ext cx="4883150" cy="1328738"/>
+        </p:xfrm>
+        <a:graphic>
+          <a:graphicData uri="http://schemas.openxmlformats.org/presentationml/2006/ole">
+            <mc:AlternateContent xmlns:mc="http://schemas.openxmlformats.org/markup-compatibility/2006">
+              <mc:Choice xmlns:v="urn:schemas-microsoft-com:vml" Requires="v">
+                <p:oleObj spid="_x0000_s339039" name="Document" r:id="rId4" imgW="7556500" imgH="2070100" progId="Word.Document.12">
+                  <p:embed/>
+                </p:oleObj>
+              </mc:Choice>
+              <mc:Fallback>
+                <p:oleObj name="Document" r:id="rId4" imgW="7556500" imgH="2070100" progId="Word.Document.12">
+                  <p:embed/>
+                  <p:pic>
+                    <p:nvPicPr>
+                      <p:cNvPr id="4" name="Object 3">
+                        <a:extLst>
+                          <a:ext uri="{FF2B5EF4-FFF2-40B4-BE49-F238E27FC236}">
+                            <a16:creationId xmlns:a16="http://schemas.microsoft.com/office/drawing/2014/main" id="{D66A3E95-8160-3842-8388-E9266D009013}"/>
+                          </a:ext>
+                        </a:extLst>
+                      </p:cNvPr>
+                      <p:cNvPicPr/>
+                      <p:nvPr/>
+                    </p:nvPicPr>
+                    <p:blipFill>
+                      <a:blip r:embed="rId5"/>
+                      <a:stretch>
+                        <a:fillRect/>
+                      </a:stretch>
+                    </p:blipFill>
+                    <p:spPr>
+                      <a:xfrm>
+                        <a:off x="998538" y="2309190"/>
+                        <a:ext cx="4883150" cy="1328738"/>
+                      </a:xfrm>
+                      <a:prstGeom prst="rect">
+                        <a:avLst/>
+                      </a:prstGeom>
+                    </p:spPr>
+                  </p:pic>
+                </p:oleObj>
+              </mc:Fallback>
+            </mc:AlternateContent>
+          </a:graphicData>
+        </a:graphic>
+      </p:graphicFrame>
+      <p:graphicFrame>
+        <p:nvGraphicFramePr>
+          <p:cNvPr id="5" name="Object 4">
+            <a:extLst>
+              <a:ext uri="{FF2B5EF4-FFF2-40B4-BE49-F238E27FC236}">
+                <a16:creationId xmlns:a16="http://schemas.microsoft.com/office/drawing/2014/main" id="{1A47240F-DD95-904C-B33D-E56097BB5C83}"/>
+              </a:ext>
+            </a:extLst>
+          </p:cNvPr>
+          <p:cNvGraphicFramePr>
+            <a:graphicFrameLocks noChangeAspect="1"/>
+          </p:cNvGraphicFramePr>
+          <p:nvPr>
+            <p:extLst>
+              <p:ext uri="{D42A27DB-BD31-4B8C-83A1-F6EECF244321}">
+                <p14:modId xmlns:p14="http://schemas.microsoft.com/office/powerpoint/2010/main" val="1596551827"/>
+              </p:ext>
+            </p:extLst>
+          </p:nvPr>
+        </p:nvGraphicFramePr>
+        <p:xfrm>
+          <a:off x="998538" y="4083939"/>
+          <a:ext cx="7556500" cy="2070100"/>
+        </p:xfrm>
+        <a:graphic>
+          <a:graphicData uri="http://schemas.openxmlformats.org/presentationml/2006/ole">
+            <mc:AlternateContent xmlns:mc="http://schemas.openxmlformats.org/markup-compatibility/2006">
+              <mc:Choice xmlns:v="urn:schemas-microsoft-com:vml" Requires="v">
+                <p:oleObj spid="_x0000_s339040" name="Document" r:id="rId6" imgW="7556500" imgH="2070100" progId="Word.Document.12">
+                  <p:embed/>
+                </p:oleObj>
+              </mc:Choice>
+              <mc:Fallback>
+                <p:oleObj name="Document" r:id="rId6" imgW="7556500" imgH="2070100" progId="Word.Document.12">
+                  <p:embed/>
+                  <p:pic>
+                    <p:nvPicPr>
+                      <p:cNvPr id="5" name="Object 4">
+                        <a:extLst>
+                          <a:ext uri="{FF2B5EF4-FFF2-40B4-BE49-F238E27FC236}">
+                            <a16:creationId xmlns:a16="http://schemas.microsoft.com/office/drawing/2014/main" id="{1A47240F-DD95-904C-B33D-E56097BB5C83}"/>
+                          </a:ext>
+                        </a:extLst>
+                      </p:cNvPr>
+                      <p:cNvPicPr/>
+                      <p:nvPr/>
+                    </p:nvPicPr>
+                    <p:blipFill>
+                      <a:blip r:embed="rId7"/>
+                      <a:stretch>
+                        <a:fillRect/>
+                      </a:stretch>
+                    </p:blipFill>
+                    <p:spPr>
+                      <a:xfrm>
+                        <a:off x="998538" y="4083939"/>
+                        <a:ext cx="7556500" cy="2070100"/>
+                      </a:xfrm>
+                      <a:prstGeom prst="rect">
+                        <a:avLst/>
+                      </a:prstGeom>
+                    </p:spPr>
+                  </p:pic>
+                </p:oleObj>
+              </mc:Fallback>
+            </mc:AlternateContent>
+          </a:graphicData>
+        </a:graphic>
+      </p:graphicFrame>
+    </p:spTree>
+    <p:extLst>
+      <p:ext uri="{BB962C8B-B14F-4D97-AF65-F5344CB8AC3E}">
+        <p14:creationId xmlns:p14="http://schemas.microsoft.com/office/powerpoint/2010/main" val="524928886"/>
+      </p:ext>
+    </p:extLst>
+  </p:cSld>
+  <p:clrMapOvr>
+    <a:masterClrMapping/>
+  </p:clrMapOvr>
+</p:sld>
+</file>
+
+<file path=ppt/slides/slide11.xml><?xml version="1.0" encoding="utf-8"?>
+<p:sld xmlns:a="http://schemas.openxmlformats.org/drawingml/2006/main" xmlns:r="http://schemas.openxmlformats.org/officeDocument/2006/relationships" xmlns:p="http://schemas.openxmlformats.org/presentationml/2006/main">
+  <p:cSld>
+    <p:bg>
+      <p:bgPr>
+        <a:solidFill>
+          <a:schemeClr val="bg1"/>
+        </a:solidFill>
+        <a:effectLst/>
+      </p:bgPr>
+    </p:bg>
+    <p:spTree>
+      <p:nvGrpSpPr>
+        <p:cNvPr id="1" name=""/>
+        <p:cNvGrpSpPr/>
+        <p:nvPr/>
+      </p:nvGrpSpPr>
+      <p:grpSpPr>
+        <a:xfrm>
+          <a:off x="0" y="0"/>
+          <a:ext cx="0" cy="0"/>
+          <a:chOff x="0" y="0"/>
+          <a:chExt cx="0" cy="0"/>
+        </a:xfrm>
+      </p:grpSpPr>
+      <p:sp useBgFill="1">
+        <p:nvSpPr>
+          <p:cNvPr id="8" name="Rectangle 7">
+            <a:extLst>
+              <a:ext uri="{FF2B5EF4-FFF2-40B4-BE49-F238E27FC236}">
+                <a16:creationId xmlns:a16="http://schemas.microsoft.com/office/drawing/2014/main" id="{E009DD9B-5EE2-4C0D-8B2B-351C8C102205}"/>
+              </a:ext>
+              <a:ext uri="{C183D7F6-B498-43B3-948B-1728B52AA6E4}">
+                <adec:decorative xmlns:adec="http://schemas.microsoft.com/office/drawing/2017/decorative" val="1"/>
+              </a:ext>
+            </a:extLst>
+          </p:cNvPr>
+          <p:cNvSpPr>
+            <a:spLocks noGrp="1" noRot="1" noChangeAspect="1" noMove="1" noResize="1" noEditPoints="1" noAdjustHandles="1" noChangeArrowheads="1" noChangeShapeType="1" noTextEdit="1"/>
+          </p:cNvSpPr>
+          <p:nvPr>
+            <p:extLst>
+              <p:ext uri="{386F3935-93C4-4BCD-93E2-E3B085C9AB24}">
+                <p16:designElem xmlns:p16="http://schemas.microsoft.com/office/powerpoint/2015/main" val="1"/>
+              </p:ext>
+            </p:extLst>
+          </p:nvPr>
+        </p:nvSpPr>
+        <p:spPr>
+          <a:xfrm>
+            <a:off x="0" y="0"/>
+            <a:ext cx="10077450" cy="7562850"/>
+          </a:xfrm>
+          <a:prstGeom prst="rect">
+            <a:avLst/>
+          </a:prstGeom>
+          <a:ln>
+            <a:noFill/>
+          </a:ln>
+        </p:spPr>
+        <p:style>
+          <a:lnRef idx="2">
+            <a:schemeClr val="accent1">
+              <a:shade val="50000"/>
+            </a:schemeClr>
+          </a:lnRef>
+          <a:fillRef idx="1">
+            <a:schemeClr val="accent1"/>
+          </a:fillRef>
+          <a:effectRef idx="0">
+            <a:schemeClr val="accent1"/>
+          </a:effectRef>
+          <a:fontRef idx="minor">
+            <a:schemeClr val="lt1"/>
+          </a:fontRef>
+        </p:style>
+        <p:txBody>
+          <a:bodyPr rtlCol="0" anchor="ctr"/>
+          <a:lstStyle/>
+          <a:p>
+            <a:pPr algn="ctr"/>
+            <a:endParaRPr lang="en-US"/>
+          </a:p>
+        </p:txBody>
+      </p:sp>
+      <p:sp>
+        <p:nvSpPr>
+          <p:cNvPr id="10" name="Rectangle 9">
+            <a:extLst>
+              <a:ext uri="{FF2B5EF4-FFF2-40B4-BE49-F238E27FC236}">
+                <a16:creationId xmlns:a16="http://schemas.microsoft.com/office/drawing/2014/main" id="{E720DB99-7745-4E75-9D96-AAB6D55C531E}"/>
+              </a:ext>
+              <a:ext uri="{C183D7F6-B498-43B3-948B-1728B52AA6E4}">
+                <adec:decorative xmlns:adec="http://schemas.microsoft.com/office/drawing/2017/decorative" val="1"/>
+              </a:ext>
+            </a:extLst>
+          </p:cNvPr>
+          <p:cNvSpPr>
+            <a:spLocks noGrp="1" noRot="1" noChangeAspect="1" noMove="1" noResize="1" noEditPoints="1" noAdjustHandles="1" noChangeArrowheads="1" noChangeShapeType="1" noTextEdit="1"/>
+          </p:cNvSpPr>
+          <p:nvPr>
+            <p:extLst>
+              <p:ext uri="{386F3935-93C4-4BCD-93E2-E3B085C9AB24}">
+                <p16:designElem xmlns:p16="http://schemas.microsoft.com/office/powerpoint/2015/main" val="1"/>
+              </p:ext>
+            </p:extLst>
+          </p:nvPr>
+        </p:nvSpPr>
+        <p:spPr>
+          <a:xfrm>
+            <a:off x="813754" y="511820"/>
+            <a:ext cx="8449941" cy="88975"/>
+          </a:xfrm>
+          <a:prstGeom prst="rect">
+            <a:avLst/>
+          </a:prstGeom>
+          <a:blipFill dpi="0" rotWithShape="1">
+            <a:blip r:embed="rId3">
+              <a:alphaModFix amt="85000"/>
+              <a:lum bright="70000" contrast="-70000"/>
+              <a:extLst>
+                <a:ext uri="{BEBA8EAE-BF5A-486C-A8C5-ECC9F3942E4B}">
+                  <a14:imgProps xmlns:a14="http://schemas.microsoft.com/office/drawing/2010/main">
+                    <a14:imgLayer r:embed="rId4">
+                      <a14:imgEffect>
+                        <a14:sharpenSoften amount="61000"/>
+                      </a14:imgEffect>
+                    </a14:imgLayer>
+                  </a14:imgProps>
+                </a:ext>
+                <a:ext uri="{28A0092B-C50C-407E-A947-70E740481C1C}">
+                  <a14:useLocalDpi xmlns:a14="http://schemas.microsoft.com/office/drawing/2010/main" val="0"/>
+                </a:ext>
+              </a:extLst>
+            </a:blip>
+            <a:srcRect/>
+            <a:tile tx="0" ty="-762000" sx="92000" sy="89000" flip="xy" algn="ctr"/>
+          </a:blipFill>
+          <a:ln>
+            <a:noFill/>
+          </a:ln>
+        </p:spPr>
+        <p:style>
+          <a:lnRef idx="2">
+            <a:schemeClr val="accent1">
+              <a:shade val="50000"/>
+            </a:schemeClr>
+          </a:lnRef>
+          <a:fillRef idx="1">
+            <a:schemeClr val="accent1"/>
+          </a:fillRef>
+          <a:effectRef idx="0">
+            <a:schemeClr val="accent1"/>
+          </a:effectRef>
+          <a:fontRef idx="minor">
+            <a:schemeClr val="lt1"/>
+          </a:fontRef>
+        </p:style>
+      </p:sp>
+      <p:sp>
+        <p:nvSpPr>
+          <p:cNvPr id="12" name="Rectangle 11">
+            <a:extLst>
+              <a:ext uri="{FF2B5EF4-FFF2-40B4-BE49-F238E27FC236}">
+                <a16:creationId xmlns:a16="http://schemas.microsoft.com/office/drawing/2014/main" id="{D68803C4-E159-4360-B7BB-74205C8F782D}"/>
+              </a:ext>
+              <a:ext uri="{C183D7F6-B498-43B3-948B-1728B52AA6E4}">
+                <adec:decorative xmlns:adec="http://schemas.microsoft.com/office/drawing/2017/decorative" val="1"/>
+              </a:ext>
+            </a:extLst>
+          </p:cNvPr>
+          <p:cNvSpPr>
+            <a:spLocks noGrp="1" noRot="1" noChangeAspect="1" noMove="1" noResize="1" noEditPoints="1" noAdjustHandles="1" noChangeArrowheads="1" noChangeShapeType="1" noTextEdit="1"/>
+          </p:cNvSpPr>
+          <p:nvPr>
+            <p:extLst>
+              <p:ext uri="{386F3935-93C4-4BCD-93E2-E3B085C9AB24}">
+                <p16:designElem xmlns:p16="http://schemas.microsoft.com/office/powerpoint/2015/main" val="1"/>
+              </p:ext>
+            </p:extLst>
+          </p:nvPr>
+        </p:nvSpPr>
+        <p:spPr>
+          <a:xfrm>
+            <a:off x="813754" y="663819"/>
+            <a:ext cx="8449941" cy="1528311"/>
+          </a:xfrm>
+          <a:prstGeom prst="rect">
+            <a:avLst/>
+          </a:prstGeom>
+          <a:blipFill dpi="0" rotWithShape="1">
+            <a:blip r:embed="rId3">
+              <a:alphaModFix amt="85000"/>
+              <a:lum bright="70000" contrast="-70000"/>
+              <a:extLst>
+                <a:ext uri="{BEBA8EAE-BF5A-486C-A8C5-ECC9F3942E4B}">
+                  <a14:imgProps xmlns:a14="http://schemas.microsoft.com/office/drawing/2010/main">
+                    <a14:imgLayer r:embed="rId4">
+                      <a14:imgEffect>
+                        <a14:sharpenSoften amount="61000"/>
+                      </a14:imgEffect>
+                    </a14:imgLayer>
+                  </a14:imgProps>
+                </a:ext>
+                <a:ext uri="{28A0092B-C50C-407E-A947-70E740481C1C}">
+                  <a14:useLocalDpi xmlns:a14="http://schemas.microsoft.com/office/drawing/2010/main" val="0"/>
+                </a:ext>
+              </a:extLst>
+            </a:blip>
+            <a:srcRect/>
+            <a:tile tx="0" ty="-704850" sx="92000" sy="89000" flip="xy" algn="ctr"/>
+          </a:blipFill>
+          <a:ln>
+            <a:noFill/>
+          </a:ln>
+        </p:spPr>
+        <p:style>
+          <a:lnRef idx="2">
+            <a:schemeClr val="accent1">
+              <a:shade val="50000"/>
+            </a:schemeClr>
+          </a:lnRef>
+          <a:fillRef idx="1">
+            <a:schemeClr val="accent1"/>
+          </a:fillRef>
+          <a:effectRef idx="0">
+            <a:schemeClr val="accent1"/>
+          </a:effectRef>
+          <a:fontRef idx="minor">
+            <a:schemeClr val="lt1"/>
+          </a:fontRef>
+        </p:style>
+      </p:sp>
+      <p:sp>
+        <p:nvSpPr>
+          <p:cNvPr id="14" name="Rectangle 13">
+            <a:extLst>
+              <a:ext uri="{FF2B5EF4-FFF2-40B4-BE49-F238E27FC236}">
+                <a16:creationId xmlns:a16="http://schemas.microsoft.com/office/drawing/2014/main" id="{504B0465-3B07-49BF-BEA7-D81476246293}"/>
+              </a:ext>
+              <a:ext uri="{C183D7F6-B498-43B3-948B-1728B52AA6E4}">
+                <adec:decorative xmlns:adec="http://schemas.microsoft.com/office/drawing/2017/decorative" val="1"/>
+              </a:ext>
+            </a:extLst>
+          </p:cNvPr>
+          <p:cNvSpPr>
+            <a:spLocks noGrp="1" noRot="1" noChangeAspect="1" noMove="1" noResize="1" noEditPoints="1" noAdjustHandles="1" noChangeArrowheads="1" noChangeShapeType="1" noTextEdit="1"/>
+          </p:cNvSpPr>
+          <p:nvPr>
+            <p:extLst>
+              <p:ext uri="{386F3935-93C4-4BCD-93E2-E3B085C9AB24}">
+                <p16:designElem xmlns:p16="http://schemas.microsoft.com/office/powerpoint/2015/main" val="1"/>
+              </p:ext>
+            </p:extLst>
+          </p:nvPr>
+        </p:nvSpPr>
+        <p:spPr>
+          <a:xfrm>
+            <a:off x="813754" y="2248183"/>
+            <a:ext cx="8449941" cy="88975"/>
+          </a:xfrm>
+          <a:prstGeom prst="rect">
+            <a:avLst/>
+          </a:prstGeom>
+          <a:blipFill dpi="0" rotWithShape="1">
+            <a:blip r:embed="rId3">
+              <a:alphaModFix amt="85000"/>
+              <a:lum bright="70000" contrast="-70000"/>
+              <a:extLst>
+                <a:ext uri="{BEBA8EAE-BF5A-486C-A8C5-ECC9F3942E4B}">
+                  <a14:imgProps xmlns:a14="http://schemas.microsoft.com/office/drawing/2010/main">
+                    <a14:imgLayer r:embed="rId4">
+                      <a14:imgEffect>
+                        <a14:sharpenSoften amount="61000"/>
+                      </a14:imgEffect>
+                    </a14:imgLayer>
+                  </a14:imgProps>
+                </a:ext>
+                <a:ext uri="{28A0092B-C50C-407E-A947-70E740481C1C}">
+                  <a14:useLocalDpi xmlns:a14="http://schemas.microsoft.com/office/drawing/2010/main" val="0"/>
+                </a:ext>
+              </a:extLst>
+            </a:blip>
+            <a:srcRect/>
+            <a:tile tx="0" ty="-717550" sx="92000" sy="89000" flip="xy" algn="ctr"/>
+          </a:blipFill>
+          <a:ln>
+            <a:noFill/>
+          </a:ln>
+        </p:spPr>
+        <p:style>
+          <a:lnRef idx="2">
+            <a:schemeClr val="accent1">
+              <a:shade val="50000"/>
+            </a:schemeClr>
+          </a:lnRef>
+          <a:fillRef idx="1">
+            <a:schemeClr val="accent1"/>
+          </a:fillRef>
+          <a:effectRef idx="0">
+            <a:schemeClr val="accent1"/>
+          </a:effectRef>
+          <a:fontRef idx="minor">
+            <a:schemeClr val="lt1"/>
+          </a:fontRef>
+        </p:style>
+      </p:sp>
+      <p:sp>
+        <p:nvSpPr>
+          <p:cNvPr id="2" name="Title 3">
+            <a:extLst>
+              <a:ext uri="{FF2B5EF4-FFF2-40B4-BE49-F238E27FC236}">
+                <a16:creationId xmlns:a16="http://schemas.microsoft.com/office/drawing/2014/main" id="{CEEB149B-5D24-EB47-B158-72A503940A63}"/>
+              </a:ext>
+            </a:extLst>
+          </p:cNvPr>
+          <p:cNvSpPr txBox="1">
+            <a:spLocks noGrp="1"/>
+          </p:cNvSpPr>
+          <p:nvPr>
+            <p:ph type="title"/>
+          </p:nvPr>
+        </p:nvSpPr>
+        <p:spPr>
+          <a:xfrm>
+            <a:off x="884296" y="534441"/>
+            <a:ext cx="8313896" cy="1774749"/>
+          </a:xfrm>
+        </p:spPr>
+        <p:txBody>
+          <a:bodyPr>
+            <a:normAutofit/>
+          </a:bodyPr>
+          <a:lstStyle/>
+          <a:p>
+            <a:pPr lvl="0"/>
+            <a:r>
+              <a:rPr lang="en-US" dirty="0"/>
+              <a:t>TEST UTILITIES</a:t>
+            </a:r>
+          </a:p>
+        </p:txBody>
+      </p:sp>
+      <p:sp>
+        <p:nvSpPr>
+          <p:cNvPr id="3" name="Content Placeholder 4">
+            <a:extLst>
+              <a:ext uri="{FF2B5EF4-FFF2-40B4-BE49-F238E27FC236}">
+                <a16:creationId xmlns:a16="http://schemas.microsoft.com/office/drawing/2014/main" id="{2ABE6EC9-66FD-AA48-A9EC-B7C307C9A05F}"/>
+              </a:ext>
+            </a:extLst>
+          </p:cNvPr>
+          <p:cNvSpPr txBox="1">
+            <a:spLocks noGrp="1"/>
+          </p:cNvSpPr>
+          <p:nvPr>
+            <p:ph idx="1"/>
+          </p:nvPr>
+        </p:nvSpPr>
+        <p:spPr>
+          <a:xfrm>
+            <a:off x="884296" y="2558898"/>
+            <a:ext cx="8313896" cy="4247665"/>
+          </a:xfrm>
+        </p:spPr>
+        <p:txBody>
+          <a:bodyPr>
+            <a:normAutofit lnSpcReduction="10000"/>
+          </a:bodyPr>
+          <a:lstStyle/>
+          <a:p>
+            <a:pPr marL="342900" lvl="0" indent="-342900">
+              <a:buSzPct val="100000"/>
+              <a:buFont typeface="Arial" panose="020B0604020202020204" pitchFamily="34" charset="0"/>
+              <a:buChar char="•"/>
+            </a:pPr>
+            <a:r>
+              <a:rPr lang="en-US" dirty="0"/>
+              <a:t>Test for component created</a:t>
+            </a:r>
+          </a:p>
+          <a:p>
+            <a:pPr marL="342900" lvl="0" indent="-342900">
+              <a:buSzPct val="100000"/>
+              <a:buFont typeface="Arial" panose="020B0604020202020204" pitchFamily="34" charset="0"/>
+              <a:buChar char="•"/>
+            </a:pPr>
+            <a:r>
+              <a:rPr lang="en-US" dirty="0"/>
+              <a:t>Fixture holds created component – truthy means existent</a:t>
+            </a:r>
+          </a:p>
+          <a:p>
+            <a:pPr marL="342900" lvl="0" indent="-342900">
+              <a:buSzPct val="100000"/>
+              <a:buFont typeface="Arial" panose="020B0604020202020204" pitchFamily="34" charset="0"/>
+              <a:buChar char="•"/>
+            </a:pPr>
+            <a:r>
+              <a:rPr lang="en-US" dirty="0" err="1"/>
+              <a:t>debugElement</a:t>
+            </a:r>
+            <a:r>
+              <a:rPr lang="en-US" dirty="0"/>
+              <a:t> lets us examine the component</a:t>
+            </a:r>
+          </a:p>
+          <a:p>
+            <a:pPr marL="342900" lvl="0" indent="-342900">
+              <a:buSzPct val="100000"/>
+              <a:buFont typeface="Arial" panose="020B0604020202020204" pitchFamily="34" charset="0"/>
+              <a:buChar char="•"/>
+            </a:pPr>
+            <a:r>
+              <a:rPr lang="en-US" dirty="0"/>
+              <a:t>expect is a testing package provided by testing package such as karma or Jasmine</a:t>
+            </a:r>
+          </a:p>
+          <a:p>
+            <a:pPr marL="342900" lvl="0" indent="-342900">
+              <a:buSzPct val="100000"/>
+              <a:buFont typeface="Arial" panose="020B0604020202020204" pitchFamily="34" charset="0"/>
+              <a:buChar char="•"/>
+            </a:pPr>
+            <a:r>
+              <a:rPr lang="en-US" dirty="0"/>
+              <a:t>Expect app to have a property of a title with a value of the existing title</a:t>
+            </a:r>
+          </a:p>
+          <a:p>
+            <a:pPr marL="342900" lvl="0" indent="-342900">
+              <a:buSzPct val="100000"/>
+              <a:buFont typeface="Arial" panose="020B0604020202020204" pitchFamily="34" charset="0"/>
+              <a:buChar char="•"/>
+            </a:pPr>
+            <a:r>
+              <a:rPr lang="en-US" dirty="0" err="1"/>
+              <a:t>detectChanges</a:t>
+            </a:r>
+            <a:r>
+              <a:rPr lang="en-US" dirty="0"/>
+              <a:t> triggers change detection</a:t>
+            </a:r>
+          </a:p>
+          <a:p>
+            <a:pPr marL="342900" lvl="0" indent="-342900">
+              <a:buSzPct val="100000"/>
+              <a:buFont typeface="Arial" panose="020B0604020202020204" pitchFamily="34" charset="0"/>
+              <a:buChar char="•"/>
+            </a:pPr>
+            <a:r>
+              <a:rPr lang="en-US" dirty="0"/>
+              <a:t>We can expect certain elements such as h1 element and containing some specific text value</a:t>
+            </a:r>
+          </a:p>
+          <a:p>
+            <a:pPr marL="342900" lvl="0" indent="-342900">
+              <a:buSzPct val="100000"/>
+              <a:buFont typeface="Arial" panose="020B0604020202020204" pitchFamily="34" charset="0"/>
+              <a:buChar char="•"/>
+            </a:pPr>
+            <a:r>
+              <a:rPr lang="en-US" dirty="0"/>
+              <a:t>ng test will run the test cli</a:t>
+            </a:r>
+          </a:p>
+          <a:p>
+            <a:pPr marL="342900" lvl="0" indent="-342900">
+              <a:buSzPct val="100000"/>
+              <a:buFont typeface="Arial" panose="020B0604020202020204" pitchFamily="34" charset="0"/>
+              <a:buChar char="•"/>
+            </a:pPr>
+            <a:endParaRPr lang="en-US" dirty="0"/>
+          </a:p>
+          <a:p>
+            <a:pPr marL="342900" lvl="0" indent="-342900">
+              <a:buSzPct val="100000"/>
+              <a:buFont typeface="Arial" panose="020B0604020202020204" pitchFamily="34" charset="0"/>
+              <a:buChar char="•"/>
+            </a:pPr>
+            <a:endParaRPr lang="en-US" dirty="0"/>
+          </a:p>
+        </p:txBody>
+      </p:sp>
+      <p:sp>
+        <p:nvSpPr>
+          <p:cNvPr id="16" name="Oval 15">
+            <a:extLst>
+              <a:ext uri="{FF2B5EF4-FFF2-40B4-BE49-F238E27FC236}">
+                <a16:creationId xmlns:a16="http://schemas.microsoft.com/office/drawing/2014/main" id="{49B7FFA5-14CB-4A4F-9BCC-CA3AA5D9D276}"/>
+              </a:ext>
+              <a:ext uri="{C183D7F6-B498-43B3-948B-1728B52AA6E4}">
+                <adec:decorative xmlns:adec="http://schemas.microsoft.com/office/drawing/2017/decorative" val="1"/>
+              </a:ext>
+            </a:extLst>
+          </p:cNvPr>
+          <p:cNvSpPr>
+            <a:spLocks noGrp="1" noRot="1" noChangeAspect="1" noMove="1" noResize="1" noEditPoints="1" noAdjustHandles="1" noChangeArrowheads="1" noChangeShapeType="1" noTextEdit="1"/>
+          </p:cNvSpPr>
+          <p:nvPr>
+            <p:extLst>
+              <p:ext uri="{386F3935-93C4-4BCD-93E2-E3B085C9AB24}">
+                <p16:designElem xmlns:p16="http://schemas.microsoft.com/office/powerpoint/2015/main" val="1"/>
+              </p:ext>
+            </p:extLst>
+          </p:nvPr>
+        </p:nvSpPr>
+        <p:spPr>
+          <a:xfrm>
+            <a:off x="9424238" y="6869953"/>
+            <a:ext cx="377904" cy="504190"/>
+          </a:xfrm>
+          <a:prstGeom prst="ellipse">
+            <a:avLst/>
+          </a:prstGeom>
+          <a:blipFill dpi="0" rotWithShape="1">
+            <a:blip r:embed="rId5">
+              <a:duotone>
+                <a:schemeClr val="accent1">
+                  <a:shade val="45000"/>
+                  <a:satMod val="135000"/>
+                </a:schemeClr>
+                <a:prstClr val="white"/>
+              </a:duotone>
+            </a:blip>
+            <a:srcRect/>
+            <a:tile tx="50800" ty="0" sx="85000" sy="85000" flip="none" algn="tl"/>
+          </a:blipFill>
+          <a:ln w="25400" cap="flat" cmpd="sng" algn="ctr">
+            <a:noFill/>
+            <a:prstDash val="solid"/>
+          </a:ln>
+          <a:effectLst/>
+        </p:spPr>
+        <p:txBody>
+          <a:bodyPr lIns="0" tIns="0" rIns="0" bIns="0" rtlCol="0" anchor="ctr"/>
+          <a:lstStyle/>
+          <a:p>
+            <a:pPr marL="0" marR="0" lvl="0" indent="0" algn="ctr" defTabSz="914400" eaLnBrk="1" fontAlgn="auto" latinLnBrk="0" hangingPunct="1">
+              <a:lnSpc>
+                <a:spcPct val="100000"/>
+              </a:lnSpc>
+              <a:spcBef>
+                <a:spcPts val="0"/>
+              </a:spcBef>
+              <a:spcAft>
+                <a:spcPts val="0"/>
+              </a:spcAft>
+              <a:buClrTx/>
+              <a:buSzTx/>
+              <a:buFontTx/>
+              <a:buNone/>
+              <a:tabLst/>
+              <a:defRPr/>
+            </a:pPr>
+            <a:endParaRPr kumimoji="0" lang="en-US" sz="2000" b="0" i="0" u="none" strike="noStrike" kern="0" cap="none" spc="0" normalizeH="0" baseline="0" noProof="0" dirty="0">
+              <a:ln>
+                <a:noFill/>
+              </a:ln>
+              <a:solidFill>
+                <a:prstClr val="white"/>
+              </a:solidFill>
+              <a:effectLst/>
+              <a:uLnTx/>
+              <a:uFillTx/>
+              <a:latin typeface="Rockwell Extra Bold" pitchFamily="18" charset="0"/>
+              <a:ea typeface="+mn-ea"/>
+              <a:cs typeface="+mn-cs"/>
+            </a:endParaRPr>
+          </a:p>
+        </p:txBody>
+      </p:sp>
+      <p:sp>
+        <p:nvSpPr>
+          <p:cNvPr id="20" name="Oval 17">
+            <a:extLst>
+              <a:ext uri="{FF2B5EF4-FFF2-40B4-BE49-F238E27FC236}">
+                <a16:creationId xmlns:a16="http://schemas.microsoft.com/office/drawing/2014/main" id="{04E48745-7512-4EC2-9E20-9092D12150CA}"/>
+              </a:ext>
+              <a:ext uri="{C183D7F6-B498-43B3-948B-1728B52AA6E4}">
+                <adec:decorative xmlns:adec="http://schemas.microsoft.com/office/drawing/2017/decorative" val="1"/>
+              </a:ext>
+            </a:extLst>
+          </p:cNvPr>
+          <p:cNvSpPr>
+            <a:spLocks noGrp="1" noRot="1" noChangeAspect="1" noMove="1" noResize="1" noEditPoints="1" noAdjustHandles="1" noChangeArrowheads="1" noChangeShapeType="1" noTextEdit="1"/>
+          </p:cNvSpPr>
+          <p:nvPr>
+            <p:extLst>
+              <p:ext uri="{386F3935-93C4-4BCD-93E2-E3B085C9AB24}">
+                <p16:designElem xmlns:p16="http://schemas.microsoft.com/office/powerpoint/2015/main" val="1"/>
+              </p:ext>
+            </p:extLst>
+          </p:nvPr>
+        </p:nvSpPr>
+        <p:spPr>
+          <a:xfrm>
+            <a:off x="9448368" y="6902147"/>
+            <a:ext cx="329644" cy="439804"/>
+          </a:xfrm>
+          <a:prstGeom prst="ellipse">
+            <a:avLst/>
+          </a:prstGeom>
+          <a:noFill/>
+          <a:ln w="12700" cap="flat" cmpd="sng" algn="ctr">
+            <a:solidFill>
+              <a:srgbClr val="FFFFFF"/>
+            </a:solidFill>
+            <a:prstDash val="solid"/>
+          </a:ln>
+          <a:effectLst/>
+        </p:spPr>
+        <p:txBody>
+          <a:bodyPr rtlCol="0" anchor="ctr"/>
+          <a:lstStyle/>
+          <a:p>
+            <a:pPr marL="0" marR="0" lvl="0" indent="0" algn="ctr" defTabSz="914400" eaLnBrk="1" fontAlgn="auto" latinLnBrk="0" hangingPunct="1">
+              <a:lnSpc>
+                <a:spcPct val="100000"/>
+              </a:lnSpc>
+              <a:spcBef>
+                <a:spcPts val="0"/>
+              </a:spcBef>
+              <a:spcAft>
+                <a:spcPts val="0"/>
+              </a:spcAft>
+              <a:buClrTx/>
+              <a:buSzTx/>
+              <a:buFontTx/>
+              <a:buNone/>
+              <a:tabLst/>
+              <a:defRPr/>
+            </a:pPr>
+            <a:endParaRPr kumimoji="0" lang="en-US" sz="1800" b="0" i="0" u="none" strike="noStrike" kern="0" cap="none" spc="0" normalizeH="0" baseline="0" noProof="0" dirty="0">
+              <a:ln>
+                <a:noFill/>
+              </a:ln>
+              <a:solidFill>
+                <a:prstClr val="white"/>
+              </a:solidFill>
+              <a:effectLst/>
+              <a:uLnTx/>
+              <a:uFillTx/>
+              <a:latin typeface="Calibri"/>
+              <a:ea typeface="+mn-ea"/>
+              <a:cs typeface="+mn-cs"/>
+            </a:endParaRPr>
+          </a:p>
+        </p:txBody>
+      </p:sp>
+    </p:spTree>
+    <p:extLst>
+      <p:ext uri="{BB962C8B-B14F-4D97-AF65-F5344CB8AC3E}">
+        <p14:creationId xmlns:p14="http://schemas.microsoft.com/office/powerpoint/2010/main" val="938962336"/>
+      </p:ext>
+    </p:extLst>
+  </p:cSld>
+  <p:clrMapOvr>
+    <a:masterClrMapping/>
+  </p:clrMapOvr>
+</p:sld>
+</file>
+
+<file path=ppt/slides/slide12.xml><?xml version="1.0" encoding="utf-8"?>
+<p:sld xmlns:a="http://schemas.openxmlformats.org/drawingml/2006/main" xmlns:r="http://schemas.openxmlformats.org/officeDocument/2006/relationships" xmlns:p="http://schemas.openxmlformats.org/presentationml/2006/main">
+  <p:cSld>
+    <p:spTree>
+      <p:nvGrpSpPr>
+        <p:cNvPr id="1" name=""/>
+        <p:cNvGrpSpPr/>
+        <p:nvPr/>
+      </p:nvGrpSpPr>
+      <p:grpSpPr>
+        <a:xfrm>
+          <a:off x="0" y="0"/>
+          <a:ext cx="0" cy="0"/>
+          <a:chOff x="0" y="0"/>
+          <a:chExt cx="0" cy="0"/>
+        </a:xfrm>
+      </p:grpSpPr>
+      <p:sp>
+        <p:nvSpPr>
+          <p:cNvPr id="2" name="Title 1">
+            <a:extLst>
+              <a:ext uri="{FF2B5EF4-FFF2-40B4-BE49-F238E27FC236}">
+                <a16:creationId xmlns:a16="http://schemas.microsoft.com/office/drawing/2014/main" id="{8F754DA0-EF72-4242-87F9-008DFAEEE9D8}"/>
+              </a:ext>
+            </a:extLst>
+          </p:cNvPr>
+          <p:cNvSpPr>
+            <a:spLocks noGrp="1"/>
+          </p:cNvSpPr>
+          <p:nvPr>
+            <p:ph type="title"/>
+          </p:nvPr>
+        </p:nvSpPr>
+        <p:spPr/>
+        <p:txBody>
+          <a:bodyPr/>
+          <a:lstStyle/>
+          <a:p>
+            <a:r>
+              <a:rPr lang="en-US" dirty="0"/>
+              <a:t>CREATING UNIT TEST</a:t>
+            </a:r>
+          </a:p>
+        </p:txBody>
+      </p:sp>
+      <p:sp>
+        <p:nvSpPr>
+          <p:cNvPr id="3" name="Content Placeholder 2">
+            <a:extLst>
+              <a:ext uri="{FF2B5EF4-FFF2-40B4-BE49-F238E27FC236}">
+                <a16:creationId xmlns:a16="http://schemas.microsoft.com/office/drawing/2014/main" id="{6E3237C3-1B39-684F-B974-EA0D5C0CFE9A}"/>
+              </a:ext>
+            </a:extLst>
+          </p:cNvPr>
+          <p:cNvSpPr>
+            <a:spLocks noGrp="1"/>
+          </p:cNvSpPr>
+          <p:nvPr>
+            <p:ph idx="1"/>
+          </p:nvPr>
+        </p:nvSpPr>
+        <p:spPr/>
+        <p:txBody>
+          <a:bodyPr/>
+          <a:lstStyle/>
+          <a:p>
+            <a:r>
+              <a:rPr lang="en-US" dirty="0"/>
+              <a:t>Create a new component</a:t>
+            </a:r>
+          </a:p>
+          <a:p>
+            <a:r>
+              <a:rPr lang="en-US" dirty="0"/>
+              <a:t>ng g c user</a:t>
+            </a:r>
+          </a:p>
+          <a:p>
+            <a:endParaRPr lang="en-US" dirty="0"/>
+          </a:p>
+        </p:txBody>
+      </p:sp>
+      <p:graphicFrame>
+        <p:nvGraphicFramePr>
+          <p:cNvPr id="4" name="Object 3">
+            <a:extLst>
+              <a:ext uri="{FF2B5EF4-FFF2-40B4-BE49-F238E27FC236}">
+                <a16:creationId xmlns:a16="http://schemas.microsoft.com/office/drawing/2014/main" id="{D66A3E95-8160-3842-8388-E9266D009013}"/>
+              </a:ext>
+            </a:extLst>
+          </p:cNvPr>
+          <p:cNvGraphicFramePr>
+            <a:graphicFrameLocks noChangeAspect="1"/>
+          </p:cNvGraphicFramePr>
+          <p:nvPr>
+            <p:extLst>
+              <p:ext uri="{D42A27DB-BD31-4B8C-83A1-F6EECF244321}">
+                <p14:modId xmlns:p14="http://schemas.microsoft.com/office/powerpoint/2010/main" val="3042583727"/>
+              </p:ext>
+            </p:extLst>
+          </p:nvPr>
+        </p:nvGraphicFramePr>
+        <p:xfrm>
+          <a:off x="808722" y="3401573"/>
+          <a:ext cx="7556500" cy="1727200"/>
+        </p:xfrm>
+        <a:graphic>
+          <a:graphicData uri="http://schemas.openxmlformats.org/presentationml/2006/ole">
+            <mc:AlternateContent xmlns:mc="http://schemas.openxmlformats.org/markup-compatibility/2006">
+              <mc:Choice xmlns:v="urn:schemas-microsoft-com:vml" Requires="v">
+                <p:oleObj spid="_x0000_s331841" name="Document" r:id="rId3" imgW="7556500" imgH="1727200" progId="Word.Document.12">
+                  <p:embed/>
+                </p:oleObj>
+              </mc:Choice>
+              <mc:Fallback>
+                <p:oleObj name="Document" r:id="rId3" imgW="7556500" imgH="1727200" progId="Word.Document.12">
+                  <p:embed/>
+                  <p:pic>
+                    <p:nvPicPr>
+                      <p:cNvPr id="0" name=""/>
+                      <p:cNvPicPr/>
+                      <p:nvPr/>
+                    </p:nvPicPr>
+                    <p:blipFill>
+                      <a:blip r:embed="rId4"/>
+                      <a:stretch>
+                        <a:fillRect/>
+                      </a:stretch>
+                    </p:blipFill>
+                    <p:spPr>
+                      <a:xfrm>
+                        <a:off x="808722" y="3401573"/>
+                        <a:ext cx="7556500" cy="1727200"/>
+                      </a:xfrm>
+                      <a:prstGeom prst="rect">
+                        <a:avLst/>
+                      </a:prstGeom>
+                    </p:spPr>
+                  </p:pic>
+                </p:oleObj>
+              </mc:Fallback>
+            </mc:AlternateContent>
+          </a:graphicData>
+        </a:graphic>
+      </p:graphicFrame>
+    </p:spTree>
+    <p:extLst>
+      <p:ext uri="{BB962C8B-B14F-4D97-AF65-F5344CB8AC3E}">
+        <p14:creationId xmlns:p14="http://schemas.microsoft.com/office/powerpoint/2010/main" val="3990524643"/>
+      </p:ext>
+    </p:extLst>
+  </p:cSld>
+  <p:clrMapOvr>
+    <a:masterClrMapping/>
+  </p:clrMapOvr>
+</p:sld>
+</file>
+
+<file path=ppt/slides/slide13.xml><?xml version="1.0" encoding="utf-8"?>
+<p:sld xmlns:a="http://schemas.openxmlformats.org/drawingml/2006/main" xmlns:r="http://schemas.openxmlformats.org/officeDocument/2006/relationships" xmlns:p="http://schemas.openxmlformats.org/presentationml/2006/main">
+  <p:cSld>
+    <p:spTree>
+      <p:nvGrpSpPr>
+        <p:cNvPr id="1" name=""/>
+        <p:cNvGrpSpPr/>
+        <p:nvPr/>
+      </p:nvGrpSpPr>
+      <p:grpSpPr>
+        <a:xfrm>
+          <a:off x="0" y="0"/>
+          <a:ext cx="0" cy="0"/>
+          <a:chOff x="0" y="0"/>
+          <a:chExt cx="0" cy="0"/>
+        </a:xfrm>
+      </p:grpSpPr>
+      <p:sp>
+        <p:nvSpPr>
+          <p:cNvPr id="2" name="Title 1">
+            <a:extLst>
+              <a:ext uri="{FF2B5EF4-FFF2-40B4-BE49-F238E27FC236}">
+                <a16:creationId xmlns:a16="http://schemas.microsoft.com/office/drawing/2014/main" id="{8F754DA0-EF72-4242-87F9-008DFAEEE9D8}"/>
+              </a:ext>
+            </a:extLst>
+          </p:cNvPr>
+          <p:cNvSpPr>
+            <a:spLocks noGrp="1"/>
+          </p:cNvSpPr>
+          <p:nvPr>
+            <p:ph type="title"/>
+          </p:nvPr>
+        </p:nvSpPr>
+        <p:spPr/>
+        <p:txBody>
+          <a:bodyPr/>
+          <a:lstStyle/>
+          <a:p>
+            <a:r>
+              <a:rPr lang="en-US" dirty="0"/>
+              <a:t>CREATING UNIT TEST</a:t>
+            </a:r>
+          </a:p>
+        </p:txBody>
+      </p:sp>
+      <p:graphicFrame>
+        <p:nvGraphicFramePr>
+          <p:cNvPr id="4" name="Object 3">
+            <a:extLst>
+              <a:ext uri="{FF2B5EF4-FFF2-40B4-BE49-F238E27FC236}">
+                <a16:creationId xmlns:a16="http://schemas.microsoft.com/office/drawing/2014/main" id="{D66A3E95-8160-3842-8388-E9266D009013}"/>
+              </a:ext>
+            </a:extLst>
+          </p:cNvPr>
+          <p:cNvGraphicFramePr>
+            <a:graphicFrameLocks noChangeAspect="1"/>
+          </p:cNvGraphicFramePr>
+          <p:nvPr>
+            <p:extLst>
+              <p:ext uri="{D42A27DB-BD31-4B8C-83A1-F6EECF244321}">
+                <p14:modId xmlns:p14="http://schemas.microsoft.com/office/powerpoint/2010/main" val="1353304045"/>
+              </p:ext>
+            </p:extLst>
+          </p:nvPr>
+        </p:nvGraphicFramePr>
+        <p:xfrm>
+          <a:off x="1083212" y="1768463"/>
+          <a:ext cx="4882784" cy="5317721"/>
+        </p:xfrm>
+        <a:graphic>
+          <a:graphicData uri="http://schemas.openxmlformats.org/presentationml/2006/ole">
+            <mc:AlternateContent xmlns:mc="http://schemas.openxmlformats.org/markup-compatibility/2006">
+              <mc:Choice xmlns:v="urn:schemas-microsoft-com:vml" Requires="v">
+                <p:oleObj spid="_x0000_s332865" name="Document" r:id="rId3" imgW="7556500" imgH="8229600" progId="Word.Document.12">
+                  <p:embed/>
+                </p:oleObj>
+              </mc:Choice>
+              <mc:Fallback>
+                <p:oleObj name="Document" r:id="rId3" imgW="7556500" imgH="8229600" progId="Word.Document.12">
+                  <p:embed/>
+                  <p:pic>
+                    <p:nvPicPr>
+                      <p:cNvPr id="4" name="Object 3">
+                        <a:extLst>
+                          <a:ext uri="{FF2B5EF4-FFF2-40B4-BE49-F238E27FC236}">
+                            <a16:creationId xmlns:a16="http://schemas.microsoft.com/office/drawing/2014/main" id="{D66A3E95-8160-3842-8388-E9266D009013}"/>
+                          </a:ext>
+                        </a:extLst>
+                      </p:cNvPr>
+                      <p:cNvPicPr/>
+                      <p:nvPr/>
+                    </p:nvPicPr>
+                    <p:blipFill>
+                      <a:blip r:embed="rId4"/>
+                      <a:stretch>
+                        <a:fillRect/>
+                      </a:stretch>
+                    </p:blipFill>
+                    <p:spPr>
+                      <a:xfrm>
+                        <a:off x="1083212" y="1768463"/>
+                        <a:ext cx="4882784" cy="5317721"/>
+                      </a:xfrm>
+                      <a:prstGeom prst="rect">
+                        <a:avLst/>
+                      </a:prstGeom>
+                    </p:spPr>
+                  </p:pic>
+                </p:oleObj>
+              </mc:Fallback>
+            </mc:AlternateContent>
+          </a:graphicData>
+        </a:graphic>
+      </p:graphicFrame>
+    </p:spTree>
+    <p:extLst>
+      <p:ext uri="{BB962C8B-B14F-4D97-AF65-F5344CB8AC3E}">
+        <p14:creationId xmlns:p14="http://schemas.microsoft.com/office/powerpoint/2010/main" val="2749582093"/>
+      </p:ext>
+    </p:extLst>
+  </p:cSld>
+  <p:clrMapOvr>
+    <a:masterClrMapping/>
+  </p:clrMapOvr>
+</p:sld>
+</file>
+
+<file path=ppt/slides/slide14.xml><?xml version="1.0" encoding="utf-8"?>
+<p:sld xmlns:a="http://schemas.openxmlformats.org/drawingml/2006/main" xmlns:r="http://schemas.openxmlformats.org/officeDocument/2006/relationships" xmlns:p="http://schemas.openxmlformats.org/presentationml/2006/main">
+  <p:cSld>
+    <p:spTree>
+      <p:nvGrpSpPr>
+        <p:cNvPr id="1" name=""/>
+        <p:cNvGrpSpPr/>
+        <p:nvPr/>
+      </p:nvGrpSpPr>
+      <p:grpSpPr>
+        <a:xfrm>
+          <a:off x="0" y="0"/>
+          <a:ext cx="0" cy="0"/>
+          <a:chOff x="0" y="0"/>
+          <a:chExt cx="0" cy="0"/>
+        </a:xfrm>
+      </p:grpSpPr>
+      <p:sp>
+        <p:nvSpPr>
+          <p:cNvPr id="2" name="Title 1">
+            <a:extLst>
+              <a:ext uri="{FF2B5EF4-FFF2-40B4-BE49-F238E27FC236}">
+                <a16:creationId xmlns:a16="http://schemas.microsoft.com/office/drawing/2014/main" id="{8F754DA0-EF72-4242-87F9-008DFAEEE9D8}"/>
+              </a:ext>
+            </a:extLst>
+          </p:cNvPr>
+          <p:cNvSpPr>
+            <a:spLocks noGrp="1"/>
+          </p:cNvSpPr>
+          <p:nvPr>
+            <p:ph type="title"/>
+          </p:nvPr>
+        </p:nvSpPr>
+        <p:spPr/>
+        <p:txBody>
+          <a:bodyPr/>
+          <a:lstStyle/>
+          <a:p>
+            <a:r>
+              <a:rPr lang="en-US" dirty="0"/>
+              <a:t>CREATING USER SERVICE TEST</a:t>
+            </a:r>
+          </a:p>
+        </p:txBody>
+      </p:sp>
+      <p:graphicFrame>
+        <p:nvGraphicFramePr>
+          <p:cNvPr id="4" name="Object 3">
+            <a:extLst>
+              <a:ext uri="{FF2B5EF4-FFF2-40B4-BE49-F238E27FC236}">
+                <a16:creationId xmlns:a16="http://schemas.microsoft.com/office/drawing/2014/main" id="{D66A3E95-8160-3842-8388-E9266D009013}"/>
+              </a:ext>
+            </a:extLst>
+          </p:cNvPr>
+          <p:cNvGraphicFramePr>
+            <a:graphicFrameLocks noChangeAspect="1"/>
+          </p:cNvGraphicFramePr>
+          <p:nvPr>
+            <p:extLst>
+              <p:ext uri="{D42A27DB-BD31-4B8C-83A1-F6EECF244321}">
                 <p14:modId xmlns:p14="http://schemas.microsoft.com/office/powerpoint/2010/main" val="2827220128"/>
               </p:ext>
             </p:extLst>
@@ -7129,7 +8383,7 @@
           <a:graphicData uri="http://schemas.openxmlformats.org/presentationml/2006/ole">
             <mc:AlternateContent xmlns:mc="http://schemas.openxmlformats.org/markup-compatibility/2006">
               <mc:Choice xmlns:v="urn:schemas-microsoft-com:vml" Requires="v">
-                <p:oleObj spid="_x0000_s334925" name="Document" r:id="rId3" imgW="7556500" imgH="1219200" progId="Word.Document.12">
+                <p:oleObj spid="_x0000_s334973" name="Document" r:id="rId3" imgW="7556500" imgH="1219200" progId="Word.Document.12">
                   <p:embed/>
                 </p:oleObj>
               </mc:Choice>
@@ -7198,7 +8452,7 @@
           <a:graphicData uri="http://schemas.openxmlformats.org/presentationml/2006/ole">
             <mc:AlternateContent xmlns:mc="http://schemas.openxmlformats.org/markup-compatibility/2006">
               <mc:Choice xmlns:v="urn:schemas-microsoft-com:vml" Requires="v">
-                <p:oleObj spid="_x0000_s334926" name="Document" r:id="rId5" imgW="7556500" imgH="4470400" progId="Word.Document.12">
+                <p:oleObj spid="_x0000_s334974" name="Document" r:id="rId5" imgW="7556500" imgH="4470400" progId="Word.Document.12">
                   <p:embed/>
                 </p:oleObj>
               </mc:Choice>
@@ -7246,7 +8500,7 @@
 </p:sld>
 </file>
 
-<file path=ppt/slides/slide11.xml><?xml version="1.0" encoding="utf-8"?>
+<file path=ppt/slides/slide15.xml><?xml version="1.0" encoding="utf-8"?>
 <p:sld xmlns:a="http://schemas.openxmlformats.org/drawingml/2006/main" xmlns:r="http://schemas.openxmlformats.org/officeDocument/2006/relationships" xmlns:p="http://schemas.openxmlformats.org/presentationml/2006/main">
   <p:cSld>
     <p:spTree>
@@ -7313,7 +8567,7 @@
           <a:graphicData uri="http://schemas.openxmlformats.org/presentationml/2006/ole">
             <mc:AlternateContent xmlns:mc="http://schemas.openxmlformats.org/markup-compatibility/2006">
               <mc:Choice xmlns:v="urn:schemas-microsoft-com:vml" Requires="v">
-                <p:oleObj spid="_x0000_s336971" name="Document" r:id="rId4" imgW="7556500" imgH="1219200" progId="Word.Document.12">
+                <p:oleObj spid="_x0000_s337019" name="Document" r:id="rId4" imgW="7556500" imgH="1219200" progId="Word.Document.12">
                   <p:embed/>
                 </p:oleObj>
               </mc:Choice>
@@ -7366,7 +8620,13 @@
           <p:cNvGraphicFramePr>
             <a:graphicFrameLocks noChangeAspect="1"/>
           </p:cNvGraphicFramePr>
-          <p:nvPr/>
+          <p:nvPr>
+            <p:extLst>
+              <p:ext uri="{D42A27DB-BD31-4B8C-83A1-F6EECF244321}">
+                <p14:modId xmlns:p14="http://schemas.microsoft.com/office/powerpoint/2010/main" val="917378549"/>
+              </p:ext>
+            </p:extLst>
+          </p:nvPr>
         </p:nvGraphicFramePr>
         <p:xfrm>
           <a:off x="998269" y="2897823"/>
@@ -7376,7 +8636,7 @@
           <a:graphicData uri="http://schemas.openxmlformats.org/presentationml/2006/ole">
             <mc:AlternateContent xmlns:mc="http://schemas.openxmlformats.org/markup-compatibility/2006">
               <mc:Choice xmlns:v="urn:schemas-microsoft-com:vml" Requires="v">
-                <p:oleObj spid="_x0000_s336972" name="Document" r:id="rId6" imgW="7556500" imgH="4470400" progId="Word.Document.12">
+                <p:oleObj spid="_x0000_s337020" name="Document" r:id="rId6" imgW="7556500" imgH="4470400" progId="Word.Document.12">
                   <p:embed/>
                 </p:oleObj>
               </mc:Choice>
@@ -7430,484 +8690,6 @@
 </p:sld>
 </file>
 
-<file path=ppt/slides/slide12.xml><?xml version="1.0" encoding="utf-8"?>
-<p:sld xmlns:a="http://schemas.openxmlformats.org/drawingml/2006/main" xmlns:r="http://schemas.openxmlformats.org/officeDocument/2006/relationships" xmlns:p="http://schemas.openxmlformats.org/presentationml/2006/main">
-  <p:cSld>
-    <p:spTree>
-      <p:nvGrpSpPr>
-        <p:cNvPr id="1" name=""/>
-        <p:cNvGrpSpPr/>
-        <p:nvPr/>
-      </p:nvGrpSpPr>
-      <p:grpSpPr>
-        <a:xfrm>
-          <a:off x="0" y="0"/>
-          <a:ext cx="0" cy="0"/>
-          <a:chOff x="0" y="0"/>
-          <a:chExt cx="0" cy="0"/>
-        </a:xfrm>
-      </p:grpSpPr>
-      <p:pic>
-        <p:nvPicPr>
-          <p:cNvPr id="9" name="Picture 8">
-            <a:extLst>
-              <a:ext uri="{FF2B5EF4-FFF2-40B4-BE49-F238E27FC236}">
-                <a16:creationId xmlns:a16="http://schemas.microsoft.com/office/drawing/2014/main" id="{3D4319B2-7E75-B246-8B93-F181C85ADF98}"/>
-              </a:ext>
-            </a:extLst>
-          </p:cNvPr>
-          <p:cNvPicPr>
-            <a:picLocks noChangeAspect="1"/>
-          </p:cNvPicPr>
-          <p:nvPr/>
-        </p:nvPicPr>
-        <p:blipFill>
-          <a:blip r:embed="rId3"/>
-          <a:stretch>
-            <a:fillRect/>
-          </a:stretch>
-        </p:blipFill>
-        <p:spPr>
-          <a:xfrm>
-            <a:off x="-98475" y="1432039"/>
-            <a:ext cx="7559333" cy="4219162"/>
-          </a:xfrm>
-          <a:prstGeom prst="rect">
-            <a:avLst/>
-          </a:prstGeom>
-        </p:spPr>
-      </p:pic>
-    </p:spTree>
-    <p:extLst>
-      <p:ext uri="{BB962C8B-B14F-4D97-AF65-F5344CB8AC3E}">
-        <p14:creationId xmlns:p14="http://schemas.microsoft.com/office/powerpoint/2010/main" val="4075002242"/>
-      </p:ext>
-    </p:extLst>
-  </p:cSld>
-  <p:clrMapOvr>
-    <a:masterClrMapping/>
-  </p:clrMapOvr>
-</p:sld>
-</file>
-
-<file path=ppt/slides/slide13.xml><?xml version="1.0" encoding="utf-8"?>
-<p:sld xmlns:a="http://schemas.openxmlformats.org/drawingml/2006/main" xmlns:r="http://schemas.openxmlformats.org/officeDocument/2006/relationships" xmlns:p="http://schemas.openxmlformats.org/presentationml/2006/main">
-  <p:cSld>
-    <p:spTree>
-      <p:nvGrpSpPr>
-        <p:cNvPr id="1" name=""/>
-        <p:cNvGrpSpPr/>
-        <p:nvPr/>
-      </p:nvGrpSpPr>
-      <p:grpSpPr>
-        <a:xfrm>
-          <a:off x="0" y="0"/>
-          <a:ext cx="0" cy="0"/>
-          <a:chOff x="0" y="0"/>
-          <a:chExt cx="0" cy="0"/>
-        </a:xfrm>
-      </p:grpSpPr>
-      <p:sp>
-        <p:nvSpPr>
-          <p:cNvPr id="2" name="Title 1">
-            <a:extLst>
-              <a:ext uri="{FF2B5EF4-FFF2-40B4-BE49-F238E27FC236}">
-                <a16:creationId xmlns:a16="http://schemas.microsoft.com/office/drawing/2014/main" id="{8F754DA0-EF72-4242-87F9-008DFAEEE9D8}"/>
-              </a:ext>
-            </a:extLst>
-          </p:cNvPr>
-          <p:cNvSpPr>
-            <a:spLocks noGrp="1"/>
-          </p:cNvSpPr>
-          <p:nvPr>
-            <p:ph type="title"/>
-          </p:nvPr>
-        </p:nvSpPr>
-        <p:spPr/>
-        <p:txBody>
-          <a:bodyPr/>
-          <a:lstStyle/>
-          <a:p>
-            <a:r>
-              <a:rPr lang="en-US" dirty="0"/>
-              <a:t>TESTING PIPE FUNCTION</a:t>
-            </a:r>
-          </a:p>
-        </p:txBody>
-      </p:sp>
-      <p:graphicFrame>
-        <p:nvGraphicFramePr>
-          <p:cNvPr id="4" name="Object 3">
-            <a:extLst>
-              <a:ext uri="{FF2B5EF4-FFF2-40B4-BE49-F238E27FC236}">
-                <a16:creationId xmlns:a16="http://schemas.microsoft.com/office/drawing/2014/main" id="{D66A3E95-8160-3842-8388-E9266D009013}"/>
-              </a:ext>
-            </a:extLst>
-          </p:cNvPr>
-          <p:cNvGraphicFramePr>
-            <a:graphicFrameLocks noChangeAspect="1"/>
-          </p:cNvGraphicFramePr>
-          <p:nvPr>
-            <p:extLst>
-              <p:ext uri="{D42A27DB-BD31-4B8C-83A1-F6EECF244321}">
-                <p14:modId xmlns:p14="http://schemas.microsoft.com/office/powerpoint/2010/main" val="21908564"/>
-              </p:ext>
-            </p:extLst>
-          </p:nvPr>
-        </p:nvGraphicFramePr>
-        <p:xfrm>
-          <a:off x="998538" y="2309190"/>
-          <a:ext cx="4883150" cy="1328738"/>
-        </p:xfrm>
-        <a:graphic>
-          <a:graphicData uri="http://schemas.openxmlformats.org/presentationml/2006/ole">
-            <mc:AlternateContent xmlns:mc="http://schemas.openxmlformats.org/markup-compatibility/2006">
-              <mc:Choice xmlns:v="urn:schemas-microsoft-com:vml" Requires="v">
-                <p:oleObj spid="_x0000_s338991" name="Document" r:id="rId4" imgW="7556500" imgH="2070100" progId="Word.Document.12">
-                  <p:embed/>
-                </p:oleObj>
-              </mc:Choice>
-              <mc:Fallback>
-                <p:oleObj name="Document" r:id="rId4" imgW="7556500" imgH="2070100" progId="Word.Document.12">
-                  <p:embed/>
-                  <p:pic>
-                    <p:nvPicPr>
-                      <p:cNvPr id="4" name="Object 3">
-                        <a:extLst>
-                          <a:ext uri="{FF2B5EF4-FFF2-40B4-BE49-F238E27FC236}">
-                            <a16:creationId xmlns:a16="http://schemas.microsoft.com/office/drawing/2014/main" id="{D66A3E95-8160-3842-8388-E9266D009013}"/>
-                          </a:ext>
-                        </a:extLst>
-                      </p:cNvPr>
-                      <p:cNvPicPr/>
-                      <p:nvPr/>
-                    </p:nvPicPr>
-                    <p:blipFill>
-                      <a:blip r:embed="rId5"/>
-                      <a:stretch>
-                        <a:fillRect/>
-                      </a:stretch>
-                    </p:blipFill>
-                    <p:spPr>
-                      <a:xfrm>
-                        <a:off x="998538" y="2309190"/>
-                        <a:ext cx="4883150" cy="1328738"/>
-                      </a:xfrm>
-                      <a:prstGeom prst="rect">
-                        <a:avLst/>
-                      </a:prstGeom>
-                    </p:spPr>
-                  </p:pic>
-                </p:oleObj>
-              </mc:Fallback>
-            </mc:AlternateContent>
-          </a:graphicData>
-        </a:graphic>
-      </p:graphicFrame>
-      <p:graphicFrame>
-        <p:nvGraphicFramePr>
-          <p:cNvPr id="5" name="Object 4">
-            <a:extLst>
-              <a:ext uri="{FF2B5EF4-FFF2-40B4-BE49-F238E27FC236}">
-                <a16:creationId xmlns:a16="http://schemas.microsoft.com/office/drawing/2014/main" id="{1A47240F-DD95-904C-B33D-E56097BB5C83}"/>
-              </a:ext>
-            </a:extLst>
-          </p:cNvPr>
-          <p:cNvGraphicFramePr>
-            <a:graphicFrameLocks noChangeAspect="1"/>
-          </p:cNvGraphicFramePr>
-          <p:nvPr>
-            <p:extLst>
-              <p:ext uri="{D42A27DB-BD31-4B8C-83A1-F6EECF244321}">
-                <p14:modId xmlns:p14="http://schemas.microsoft.com/office/powerpoint/2010/main" val="1596551827"/>
-              </p:ext>
-            </p:extLst>
-          </p:nvPr>
-        </p:nvGraphicFramePr>
-        <p:xfrm>
-          <a:off x="998538" y="4083939"/>
-          <a:ext cx="7556500" cy="2070100"/>
-        </p:xfrm>
-        <a:graphic>
-          <a:graphicData uri="http://schemas.openxmlformats.org/presentationml/2006/ole">
-            <mc:AlternateContent xmlns:mc="http://schemas.openxmlformats.org/markup-compatibility/2006">
-              <mc:Choice xmlns:v="urn:schemas-microsoft-com:vml" Requires="v">
-                <p:oleObj spid="_x0000_s338992" name="Document" r:id="rId6" imgW="7556500" imgH="2070100" progId="Word.Document.12">
-                  <p:embed/>
-                </p:oleObj>
-              </mc:Choice>
-              <mc:Fallback>
-                <p:oleObj name="Document" r:id="rId6" imgW="7556500" imgH="2070100" progId="Word.Document.12">
-                  <p:embed/>
-                  <p:pic>
-                    <p:nvPicPr>
-                      <p:cNvPr id="5" name="Object 4">
-                        <a:extLst>
-                          <a:ext uri="{FF2B5EF4-FFF2-40B4-BE49-F238E27FC236}">
-                            <a16:creationId xmlns:a16="http://schemas.microsoft.com/office/drawing/2014/main" id="{1A47240F-DD95-904C-B33D-E56097BB5C83}"/>
-                          </a:ext>
-                        </a:extLst>
-                      </p:cNvPr>
-                      <p:cNvPicPr/>
-                      <p:nvPr/>
-                    </p:nvPicPr>
-                    <p:blipFill>
-                      <a:blip r:embed="rId7"/>
-                      <a:stretch>
-                        <a:fillRect/>
-                      </a:stretch>
-                    </p:blipFill>
-                    <p:spPr>
-                      <a:xfrm>
-                        <a:off x="998538" y="4083939"/>
-                        <a:ext cx="7556500" cy="2070100"/>
-                      </a:xfrm>
-                      <a:prstGeom prst="rect">
-                        <a:avLst/>
-                      </a:prstGeom>
-                    </p:spPr>
-                  </p:pic>
-                </p:oleObj>
-              </mc:Fallback>
-            </mc:AlternateContent>
-          </a:graphicData>
-        </a:graphic>
-      </p:graphicFrame>
-    </p:spTree>
-    <p:extLst>
-      <p:ext uri="{BB962C8B-B14F-4D97-AF65-F5344CB8AC3E}">
-        <p14:creationId xmlns:p14="http://schemas.microsoft.com/office/powerpoint/2010/main" val="524928886"/>
-      </p:ext>
-    </p:extLst>
-  </p:cSld>
-  <p:clrMapOvr>
-    <a:masterClrMapping/>
-  </p:clrMapOvr>
-</p:sld>
-</file>
-
-<file path=ppt/slides/slide14.xml><?xml version="1.0" encoding="utf-8"?>
-<p:sld xmlns:a="http://schemas.openxmlformats.org/drawingml/2006/main" xmlns:r="http://schemas.openxmlformats.org/officeDocument/2006/relationships" xmlns:p="http://schemas.openxmlformats.org/presentationml/2006/main">
-  <p:cSld>
-    <p:spTree>
-      <p:nvGrpSpPr>
-        <p:cNvPr id="1" name=""/>
-        <p:cNvGrpSpPr/>
-        <p:nvPr/>
-      </p:nvGrpSpPr>
-      <p:grpSpPr>
-        <a:xfrm>
-          <a:off x="0" y="0"/>
-          <a:ext cx="0" cy="0"/>
-          <a:chOff x="0" y="0"/>
-          <a:chExt cx="0" cy="0"/>
-        </a:xfrm>
-      </p:grpSpPr>
-      <p:sp>
-        <p:nvSpPr>
-          <p:cNvPr id="2" name="Title 3">
-            <a:extLst>
-              <a:ext uri="{FF2B5EF4-FFF2-40B4-BE49-F238E27FC236}">
-                <a16:creationId xmlns:a16="http://schemas.microsoft.com/office/drawing/2014/main" id="{CEEB149B-5D24-EB47-B158-72A503940A63}"/>
-              </a:ext>
-            </a:extLst>
-          </p:cNvPr>
-          <p:cNvSpPr txBox="1">
-            <a:spLocks noGrp="1"/>
-          </p:cNvSpPr>
-          <p:nvPr>
-            <p:ph type="title"/>
-          </p:nvPr>
-        </p:nvSpPr>
-        <p:spPr>
-          <a:xfrm>
-            <a:off x="884296" y="534441"/>
-            <a:ext cx="8313896" cy="1774749"/>
-          </a:xfrm>
-        </p:spPr>
-        <p:txBody>
-          <a:bodyPr>
-            <a:normAutofit/>
-          </a:bodyPr>
-          <a:lstStyle/>
-          <a:p>
-            <a:pPr lvl="0"/>
-            <a:r>
-              <a:rPr lang="en-US" dirty="0"/>
-              <a:t>CONSUMING A SERVICE</a:t>
-            </a:r>
-          </a:p>
-        </p:txBody>
-      </p:sp>
-      <p:sp>
-        <p:nvSpPr>
-          <p:cNvPr id="3" name="Content Placeholder 4">
-            <a:extLst>
-              <a:ext uri="{FF2B5EF4-FFF2-40B4-BE49-F238E27FC236}">
-                <a16:creationId xmlns:a16="http://schemas.microsoft.com/office/drawing/2014/main" id="{2ABE6EC9-66FD-AA48-A9EC-B7C307C9A05F}"/>
-              </a:ext>
-            </a:extLst>
-          </p:cNvPr>
-          <p:cNvSpPr txBox="1">
-            <a:spLocks noGrp="1"/>
-          </p:cNvSpPr>
-          <p:nvPr>
-            <p:ph idx="1"/>
-          </p:nvPr>
-        </p:nvSpPr>
-        <p:spPr>
-          <a:xfrm>
-            <a:off x="884296" y="2558898"/>
-            <a:ext cx="8313896" cy="4247665"/>
-          </a:xfrm>
-        </p:spPr>
-        <p:txBody>
-          <a:bodyPr>
-            <a:normAutofit/>
-          </a:bodyPr>
-          <a:lstStyle/>
-          <a:p>
-            <a:pPr marL="342900" lvl="0" indent="-342900">
-              <a:buSzPct val="100000"/>
-              <a:buFont typeface="Arial" panose="020B0604020202020204" pitchFamily="34" charset="0"/>
-              <a:buChar char="•"/>
-            </a:pPr>
-            <a:endParaRPr lang="en-US" dirty="0"/>
-          </a:p>
-          <a:p>
-            <a:pPr marL="342900" lvl="0" indent="-342900">
-              <a:buSzPct val="100000"/>
-              <a:buFont typeface="Arial" panose="020B0604020202020204" pitchFamily="34" charset="0"/>
-              <a:buChar char="•"/>
-            </a:pPr>
-            <a:endParaRPr lang="en-US" dirty="0"/>
-          </a:p>
-        </p:txBody>
-      </p:sp>
-    </p:spTree>
-    <p:extLst>
-      <p:ext uri="{BB962C8B-B14F-4D97-AF65-F5344CB8AC3E}">
-        <p14:creationId xmlns:p14="http://schemas.microsoft.com/office/powerpoint/2010/main" val="2973434071"/>
-      </p:ext>
-    </p:extLst>
-  </p:cSld>
-  <p:clrMapOvr>
-    <a:masterClrMapping/>
-  </p:clrMapOvr>
-</p:sld>
-</file>
-
-<file path=ppt/slides/slide15.xml><?xml version="1.0" encoding="utf-8"?>
-<p:sld xmlns:a="http://schemas.openxmlformats.org/drawingml/2006/main" xmlns:r="http://schemas.openxmlformats.org/officeDocument/2006/relationships" xmlns:p="http://schemas.openxmlformats.org/presentationml/2006/main">
-  <p:cSld>
-    <p:spTree>
-      <p:nvGrpSpPr>
-        <p:cNvPr id="1" name=""/>
-        <p:cNvGrpSpPr/>
-        <p:nvPr/>
-      </p:nvGrpSpPr>
-      <p:grpSpPr>
-        <a:xfrm>
-          <a:off x="0" y="0"/>
-          <a:ext cx="0" cy="0"/>
-          <a:chOff x="0" y="0"/>
-          <a:chExt cx="0" cy="0"/>
-        </a:xfrm>
-      </p:grpSpPr>
-      <p:sp>
-        <p:nvSpPr>
-          <p:cNvPr id="2" name="Title 3">
-            <a:extLst>
-              <a:ext uri="{FF2B5EF4-FFF2-40B4-BE49-F238E27FC236}">
-                <a16:creationId xmlns:a16="http://schemas.microsoft.com/office/drawing/2014/main" id="{CEEB149B-5D24-EB47-B158-72A503940A63}"/>
-              </a:ext>
-            </a:extLst>
-          </p:cNvPr>
-          <p:cNvSpPr txBox="1">
-            <a:spLocks noGrp="1"/>
-          </p:cNvSpPr>
-          <p:nvPr>
-            <p:ph type="title"/>
-          </p:nvPr>
-        </p:nvSpPr>
-        <p:spPr>
-          <a:xfrm>
-            <a:off x="884296" y="534441"/>
-            <a:ext cx="8313896" cy="1774749"/>
-          </a:xfrm>
-        </p:spPr>
-        <p:txBody>
-          <a:bodyPr>
-            <a:normAutofit/>
-          </a:bodyPr>
-          <a:lstStyle/>
-          <a:p>
-            <a:pPr lvl="0"/>
-            <a:r>
-              <a:rPr lang="en-US" dirty="0"/>
-              <a:t>SASS</a:t>
-            </a:r>
-          </a:p>
-        </p:txBody>
-      </p:sp>
-      <p:sp>
-        <p:nvSpPr>
-          <p:cNvPr id="3" name="Content Placeholder 4">
-            <a:extLst>
-              <a:ext uri="{FF2B5EF4-FFF2-40B4-BE49-F238E27FC236}">
-                <a16:creationId xmlns:a16="http://schemas.microsoft.com/office/drawing/2014/main" id="{2ABE6EC9-66FD-AA48-A9EC-B7C307C9A05F}"/>
-              </a:ext>
-            </a:extLst>
-          </p:cNvPr>
-          <p:cNvSpPr txBox="1">
-            <a:spLocks noGrp="1"/>
-          </p:cNvSpPr>
-          <p:nvPr>
-            <p:ph idx="1"/>
-          </p:nvPr>
-        </p:nvSpPr>
-        <p:spPr>
-          <a:xfrm>
-            <a:off x="884296" y="2558898"/>
-            <a:ext cx="8313896" cy="4247665"/>
-          </a:xfrm>
-        </p:spPr>
-        <p:txBody>
-          <a:bodyPr>
-            <a:normAutofit/>
-          </a:bodyPr>
-          <a:lstStyle/>
-          <a:p>
-            <a:pPr marL="342900" lvl="0" indent="-342900">
-              <a:buSzPct val="100000"/>
-              <a:buFont typeface="Arial" panose="020B0604020202020204" pitchFamily="34" charset="0"/>
-              <a:buChar char="•"/>
-            </a:pPr>
-            <a:endParaRPr lang="en-US" dirty="0"/>
-          </a:p>
-          <a:p>
-            <a:pPr marL="342900" lvl="0" indent="-342900">
-              <a:buSzPct val="100000"/>
-              <a:buFont typeface="Arial" panose="020B0604020202020204" pitchFamily="34" charset="0"/>
-              <a:buChar char="•"/>
-            </a:pPr>
-            <a:endParaRPr lang="en-US" dirty="0"/>
-          </a:p>
-        </p:txBody>
-      </p:sp>
-    </p:spTree>
-    <p:extLst>
-      <p:ext uri="{BB962C8B-B14F-4D97-AF65-F5344CB8AC3E}">
-        <p14:creationId xmlns:p14="http://schemas.microsoft.com/office/powerpoint/2010/main" val="2288125626"/>
-      </p:ext>
-    </p:extLst>
-  </p:cSld>
-  <p:clrMapOvr>
-    <a:masterClrMapping/>
-  </p:clrMapOvr>
-</p:sld>
-</file>
-
 <file path=ppt/slides/slide16.xml><?xml version="1.0" encoding="utf-8"?>
 <p:sld xmlns:a="http://schemas.openxmlformats.org/drawingml/2006/main" xmlns:r="http://schemas.openxmlformats.org/officeDocument/2006/relationships" xmlns:p="http://schemas.openxmlformats.org/presentationml/2006/main">
   <p:cSld>
@@ -8143,7 +8925,7 @@
             <a:pPr fontAlgn="base"/>
             <a:r>
               <a:rPr lang="en-US" b="1" dirty="0"/>
-              <a:t>Course Project - Http</a:t>
+              <a:t>Course Project – Unit Testing</a:t>
             </a:r>
             <a:endParaRPr lang="en-US" sz="2300" dirty="0"/>
           </a:p>
@@ -8258,7 +9040,7 @@
             </a:pPr>
             <a:r>
               <a:rPr lang="en-US" sz="2300" dirty="0"/>
-              <a:t>Section 28 – Unit Testing.</a:t>
+              <a:t>Consuming a service</a:t>
             </a:r>
           </a:p>
           <a:p>
@@ -8269,8 +9051,61 @@
             </a:pPr>
             <a:r>
               <a:rPr lang="en-US" sz="2300" dirty="0"/>
+              <a:t>SASS</a:t>
+            </a:r>
+          </a:p>
+          <a:p>
+            <a:pPr marL="342900" indent="-342900">
+              <a:buSzPct val="100000"/>
+              <a:buFont typeface="Arial" panose="020B0604020202020204" pitchFamily="34" charset="0"/>
+              <a:buChar char="•"/>
+            </a:pPr>
+            <a:r>
+              <a:rPr lang="en-US" sz="2300" dirty="0"/>
+              <a:t>Section 28 – Unit Testing.</a:t>
+            </a:r>
+          </a:p>
+          <a:p>
+            <a:pPr marL="342900" lvl="0" indent="-342900">
+              <a:buSzPct val="100000"/>
+              <a:buFont typeface="Arial" panose="020B0604020202020204" pitchFamily="34" charset="0"/>
+              <a:buChar char="•"/>
+            </a:pPr>
+            <a:r>
+              <a:rPr lang="en-US" sz="2300" dirty="0"/>
               <a:t>Studio – practice unit testing.</a:t>
             </a:r>
+          </a:p>
+          <a:p>
+            <a:pPr marL="342900" lvl="0" indent="-342900">
+              <a:buSzPct val="100000"/>
+              <a:buFont typeface="Arial" panose="020B0604020202020204" pitchFamily="34" charset="0"/>
+              <a:buChar char="•"/>
+            </a:pPr>
+            <a:r>
+              <a:rPr lang="en-US" sz="2300" dirty="0"/>
+              <a:t>Project requirements</a:t>
+            </a:r>
+          </a:p>
+          <a:p>
+            <a:pPr marL="302328" lvl="1" indent="0">
+              <a:buSzPct val="100000"/>
+              <a:buNone/>
+            </a:pPr>
+            <a:r>
+              <a:rPr lang="en-US" sz="2080" dirty="0">
+                <a:hlinkClick r:id="rId3"/>
+              </a:rPr>
+              <a:t>https://docs.google.com/document/d/1W3o35917j_T1qd8UlKgAkLz-23d07x90ayhXoKsRb0o/edit</a:t>
+            </a:r>
+            <a:endParaRPr lang="en-US" sz="2080" dirty="0"/>
+          </a:p>
+          <a:p>
+            <a:pPr marL="0" lvl="0" indent="0">
+              <a:buSzPct val="100000"/>
+              <a:buNone/>
+            </a:pPr>
+            <a:endParaRPr lang="en-US" sz="2300" dirty="0"/>
           </a:p>
         </p:txBody>
       </p:sp>
@@ -8283,6 +9118,393 @@
 </file>
 
 <file path=ppt/slides/slide3.xml><?xml version="1.0" encoding="utf-8"?>
+<p:sld xmlns:a="http://schemas.openxmlformats.org/drawingml/2006/main" xmlns:r="http://schemas.openxmlformats.org/officeDocument/2006/relationships" xmlns:p="http://schemas.openxmlformats.org/presentationml/2006/main">
+  <p:cSld>
+    <p:bg>
+      <p:bgPr>
+        <a:solidFill>
+          <a:schemeClr val="bg1"/>
+        </a:solidFill>
+        <a:effectLst/>
+      </p:bgPr>
+    </p:bg>
+    <p:spTree>
+      <p:nvGrpSpPr>
+        <p:cNvPr id="1" name=""/>
+        <p:cNvGrpSpPr/>
+        <p:nvPr/>
+      </p:nvGrpSpPr>
+      <p:grpSpPr>
+        <a:xfrm>
+          <a:off x="0" y="0"/>
+          <a:ext cx="0" cy="0"/>
+          <a:chOff x="0" y="0"/>
+          <a:chExt cx="0" cy="0"/>
+        </a:xfrm>
+      </p:grpSpPr>
+      <p:sp>
+        <p:nvSpPr>
+          <p:cNvPr id="2" name="Title 3">
+            <a:extLst>
+              <a:ext uri="{FF2B5EF4-FFF2-40B4-BE49-F238E27FC236}">
+                <a16:creationId xmlns:a16="http://schemas.microsoft.com/office/drawing/2014/main" id="{CEEB149B-5D24-EB47-B158-72A503940A63}"/>
+              </a:ext>
+            </a:extLst>
+          </p:cNvPr>
+          <p:cNvSpPr txBox="1">
+            <a:spLocks noGrp="1"/>
+          </p:cNvSpPr>
+          <p:nvPr>
+            <p:ph type="title"/>
+          </p:nvPr>
+        </p:nvSpPr>
+        <p:spPr>
+          <a:xfrm>
+            <a:off x="1366607" y="403352"/>
+            <a:ext cx="7742579" cy="1310894"/>
+          </a:xfrm>
+        </p:spPr>
+        <p:txBody>
+          <a:bodyPr>
+            <a:normAutofit fontScale="90000"/>
+          </a:bodyPr>
+          <a:lstStyle/>
+          <a:p>
+            <a:r>
+              <a:rPr lang="en-US" sz="4800" dirty="0"/>
+              <a:t>Consuming a service</a:t>
+            </a:r>
+            <a:br>
+              <a:rPr lang="en-US" sz="4800" dirty="0"/>
+            </a:br>
+            <a:endParaRPr lang="en-US" dirty="0"/>
+          </a:p>
+        </p:txBody>
+      </p:sp>
+      <p:graphicFrame>
+        <p:nvGraphicFramePr>
+          <p:cNvPr id="8" name="Content Placeholder 7">
+            <a:extLst>
+              <a:ext uri="{FF2B5EF4-FFF2-40B4-BE49-F238E27FC236}">
+                <a16:creationId xmlns:a16="http://schemas.microsoft.com/office/drawing/2014/main" id="{39DE90A1-046A-594D-A0EB-8CB5239B6BA6}"/>
+              </a:ext>
+            </a:extLst>
+          </p:cNvPr>
+          <p:cNvGraphicFramePr>
+            <a:graphicFrameLocks noGrp="1" noChangeAspect="1"/>
+          </p:cNvGraphicFramePr>
+          <p:nvPr>
+            <p:ph idx="1"/>
+            <p:extLst>
+              <p:ext uri="{D42A27DB-BD31-4B8C-83A1-F6EECF244321}">
+                <p14:modId xmlns:p14="http://schemas.microsoft.com/office/powerpoint/2010/main" val="3296351821"/>
+              </p:ext>
+            </p:extLst>
+          </p:nvPr>
+        </p:nvGraphicFramePr>
+        <p:xfrm>
+          <a:off x="1260475" y="2859088"/>
+          <a:ext cx="7556500" cy="3429000"/>
+        </p:xfrm>
+        <a:graphic>
+          <a:graphicData uri="http://schemas.openxmlformats.org/presentationml/2006/ole">
+            <mc:AlternateContent xmlns:mc="http://schemas.openxmlformats.org/markup-compatibility/2006">
+              <mc:Choice xmlns:v="urn:schemas-microsoft-com:vml" Requires="v">
+                <p:oleObj spid="_x0000_s339981" name="Document" r:id="rId4" imgW="7556500" imgH="3429000" progId="Word.Document.12">
+                  <p:embed/>
+                </p:oleObj>
+              </mc:Choice>
+              <mc:Fallback>
+                <p:oleObj name="Document" r:id="rId4" imgW="7556500" imgH="3429000" progId="Word.Document.12">
+                  <p:embed/>
+                  <p:pic>
+                    <p:nvPicPr>
+                      <p:cNvPr id="0" name=""/>
+                      <p:cNvPicPr/>
+                      <p:nvPr/>
+                    </p:nvPicPr>
+                    <p:blipFill>
+                      <a:blip r:embed="rId5"/>
+                      <a:stretch>
+                        <a:fillRect/>
+                      </a:stretch>
+                    </p:blipFill>
+                    <p:spPr>
+                      <a:xfrm>
+                        <a:off x="1260475" y="2859088"/>
+                        <a:ext cx="7556500" cy="3429000"/>
+                      </a:xfrm>
+                      <a:prstGeom prst="rect">
+                        <a:avLst/>
+                      </a:prstGeom>
+                    </p:spPr>
+                  </p:pic>
+                </p:oleObj>
+              </mc:Fallback>
+            </mc:AlternateContent>
+          </a:graphicData>
+        </a:graphic>
+      </p:graphicFrame>
+    </p:spTree>
+    <p:extLst>
+      <p:ext uri="{BB962C8B-B14F-4D97-AF65-F5344CB8AC3E}">
+        <p14:creationId xmlns:p14="http://schemas.microsoft.com/office/powerpoint/2010/main" val="1571057355"/>
+      </p:ext>
+    </p:extLst>
+  </p:cSld>
+  <p:clrMapOvr>
+    <a:masterClrMapping/>
+  </p:clrMapOvr>
+</p:sld>
+</file>
+
+<file path=ppt/slides/slide4.xml><?xml version="1.0" encoding="utf-8"?>
+<p:sld xmlns:a="http://schemas.openxmlformats.org/drawingml/2006/main" xmlns:r="http://schemas.openxmlformats.org/officeDocument/2006/relationships" xmlns:p="http://schemas.openxmlformats.org/presentationml/2006/main">
+  <p:cSld>
+    <p:bg>
+      <p:bgPr>
+        <a:solidFill>
+          <a:schemeClr val="bg1"/>
+        </a:solidFill>
+        <a:effectLst/>
+      </p:bgPr>
+    </p:bg>
+    <p:spTree>
+      <p:nvGrpSpPr>
+        <p:cNvPr id="1" name=""/>
+        <p:cNvGrpSpPr/>
+        <p:nvPr/>
+      </p:nvGrpSpPr>
+      <p:grpSpPr>
+        <a:xfrm>
+          <a:off x="0" y="0"/>
+          <a:ext cx="0" cy="0"/>
+          <a:chOff x="0" y="0"/>
+          <a:chExt cx="0" cy="0"/>
+        </a:xfrm>
+      </p:grpSpPr>
+      <p:sp>
+        <p:nvSpPr>
+          <p:cNvPr id="2" name="Title 3">
+            <a:extLst>
+              <a:ext uri="{FF2B5EF4-FFF2-40B4-BE49-F238E27FC236}">
+                <a16:creationId xmlns:a16="http://schemas.microsoft.com/office/drawing/2014/main" id="{CEEB149B-5D24-EB47-B158-72A503940A63}"/>
+              </a:ext>
+            </a:extLst>
+          </p:cNvPr>
+          <p:cNvSpPr txBox="1">
+            <a:spLocks noGrp="1"/>
+          </p:cNvSpPr>
+          <p:nvPr>
+            <p:ph type="title"/>
+          </p:nvPr>
+        </p:nvSpPr>
+        <p:spPr>
+          <a:xfrm>
+            <a:off x="1366607" y="403352"/>
+            <a:ext cx="7742579" cy="1310894"/>
+          </a:xfrm>
+        </p:spPr>
+        <p:txBody>
+          <a:bodyPr>
+            <a:normAutofit fontScale="90000"/>
+          </a:bodyPr>
+          <a:lstStyle/>
+          <a:p>
+            <a:r>
+              <a:rPr lang="en-US" sz="4800" dirty="0"/>
+              <a:t>SASS</a:t>
+            </a:r>
+            <a:br>
+              <a:rPr lang="en-US" sz="4800" dirty="0"/>
+            </a:br>
+            <a:endParaRPr lang="en-US" dirty="0"/>
+          </a:p>
+        </p:txBody>
+      </p:sp>
+      <p:sp>
+        <p:nvSpPr>
+          <p:cNvPr id="6" name="Content Placeholder 5">
+            <a:extLst>
+              <a:ext uri="{FF2B5EF4-FFF2-40B4-BE49-F238E27FC236}">
+                <a16:creationId xmlns:a16="http://schemas.microsoft.com/office/drawing/2014/main" id="{6942EB5D-497E-5C4C-B871-832778242AD3}"/>
+              </a:ext>
+            </a:extLst>
+          </p:cNvPr>
+          <p:cNvSpPr>
+            <a:spLocks noGrp="1"/>
+          </p:cNvSpPr>
+          <p:nvPr>
+            <p:ph idx="1"/>
+          </p:nvPr>
+        </p:nvSpPr>
+        <p:spPr/>
+        <p:txBody>
+          <a:bodyPr/>
+          <a:lstStyle/>
+          <a:p>
+            <a:r>
+              <a:rPr lang="en-US" dirty="0" err="1"/>
+              <a:t>package.json</a:t>
+            </a:r>
+            <a:endParaRPr lang="en-US" dirty="0"/>
+          </a:p>
+          <a:p>
+            <a:r>
+              <a:rPr lang="en-US" dirty="0" err="1"/>
+              <a:t>scss</a:t>
+            </a:r>
+            <a:r>
+              <a:rPr lang="en-US" dirty="0"/>
+              <a:t> - </a:t>
+            </a:r>
+            <a:r>
+              <a:rPr lang="en-US" dirty="0">
+                <a:hlinkClick r:id="rId3"/>
+              </a:rPr>
+              <a:t>https://www.digitalocean.com/community/tutorials/using-sass-with-the-angular-cli</a:t>
+            </a:r>
+            <a:endParaRPr lang="en-US" dirty="0"/>
+          </a:p>
+          <a:p>
+            <a:r>
+              <a:rPr lang="en-US" dirty="0">
+                <a:hlinkClick r:id="rId4"/>
+              </a:rPr>
+              <a:t>https://netbasal.com/angular-cli-and-global-sass-variables-a1b92d8ca9b7</a:t>
+            </a:r>
+            <a:endParaRPr lang="en-US" dirty="0"/>
+          </a:p>
+          <a:p>
+            <a:endParaRPr lang="en-US" dirty="0"/>
+          </a:p>
+          <a:p>
+            <a:endParaRPr lang="en-US" dirty="0"/>
+          </a:p>
+        </p:txBody>
+      </p:sp>
+    </p:spTree>
+    <p:extLst>
+      <p:ext uri="{BB962C8B-B14F-4D97-AF65-F5344CB8AC3E}">
+        <p14:creationId xmlns:p14="http://schemas.microsoft.com/office/powerpoint/2010/main" val="763410959"/>
+      </p:ext>
+    </p:extLst>
+  </p:cSld>
+  <p:clrMapOvr>
+    <a:masterClrMapping/>
+  </p:clrMapOvr>
+</p:sld>
+</file>
+
+<file path=ppt/slides/slide5.xml><?xml version="1.0" encoding="utf-8"?>
+<p:sld xmlns:a="http://schemas.openxmlformats.org/drawingml/2006/main" xmlns:r="http://schemas.openxmlformats.org/officeDocument/2006/relationships" xmlns:p="http://schemas.openxmlformats.org/presentationml/2006/main">
+  <p:cSld>
+    <p:bg>
+      <p:bgPr>
+        <a:solidFill>
+          <a:schemeClr val="bg1"/>
+        </a:solidFill>
+        <a:effectLst/>
+      </p:bgPr>
+    </p:bg>
+    <p:spTree>
+      <p:nvGrpSpPr>
+        <p:cNvPr id="1" name=""/>
+        <p:cNvGrpSpPr/>
+        <p:nvPr/>
+      </p:nvGrpSpPr>
+      <p:grpSpPr>
+        <a:xfrm>
+          <a:off x="0" y="0"/>
+          <a:ext cx="0" cy="0"/>
+          <a:chOff x="0" y="0"/>
+          <a:chExt cx="0" cy="0"/>
+        </a:xfrm>
+      </p:grpSpPr>
+      <p:sp>
+        <p:nvSpPr>
+          <p:cNvPr id="2" name="Title 3">
+            <a:extLst>
+              <a:ext uri="{FF2B5EF4-FFF2-40B4-BE49-F238E27FC236}">
+                <a16:creationId xmlns:a16="http://schemas.microsoft.com/office/drawing/2014/main" id="{CEEB149B-5D24-EB47-B158-72A503940A63}"/>
+              </a:ext>
+            </a:extLst>
+          </p:cNvPr>
+          <p:cNvSpPr txBox="1">
+            <a:spLocks noGrp="1"/>
+          </p:cNvSpPr>
+          <p:nvPr>
+            <p:ph type="title"/>
+          </p:nvPr>
+        </p:nvSpPr>
+        <p:spPr>
+          <a:xfrm>
+            <a:off x="799246" y="1327863"/>
+            <a:ext cx="2206431" cy="1964240"/>
+          </a:xfrm>
+        </p:spPr>
+        <p:txBody>
+          <a:bodyPr>
+            <a:normAutofit/>
+          </a:bodyPr>
+          <a:lstStyle/>
+          <a:p>
+            <a:pPr lvl="0"/>
+            <a:r>
+              <a:rPr lang="en-US" sz="3100">
+                <a:solidFill>
+                  <a:srgbClr val="FFFFFF"/>
+                </a:solidFill>
+              </a:rPr>
+              <a:t>Http and Backend Integration</a:t>
+            </a:r>
+          </a:p>
+        </p:txBody>
+      </p:sp>
+      <p:pic>
+        <p:nvPicPr>
+          <p:cNvPr id="7" name="Picture 6">
+            <a:extLst>
+              <a:ext uri="{FF2B5EF4-FFF2-40B4-BE49-F238E27FC236}">
+                <a16:creationId xmlns:a16="http://schemas.microsoft.com/office/drawing/2014/main" id="{68B05A70-2548-9C47-85E6-4178C047BD07}"/>
+              </a:ext>
+            </a:extLst>
+          </p:cNvPr>
+          <p:cNvPicPr>
+            <a:picLocks noChangeAspect="1"/>
+          </p:cNvPicPr>
+          <p:nvPr/>
+        </p:nvPicPr>
+        <p:blipFill>
+          <a:blip r:embed="rId3"/>
+          <a:stretch>
+            <a:fillRect/>
+          </a:stretch>
+        </p:blipFill>
+        <p:spPr>
+          <a:xfrm>
+            <a:off x="1125415" y="593814"/>
+            <a:ext cx="7130268" cy="4728227"/>
+          </a:xfrm>
+          <a:prstGeom prst="rect">
+            <a:avLst/>
+          </a:prstGeom>
+        </p:spPr>
+      </p:pic>
+    </p:spTree>
+    <p:extLst>
+      <p:ext uri="{BB962C8B-B14F-4D97-AF65-F5344CB8AC3E}">
+        <p14:creationId xmlns:p14="http://schemas.microsoft.com/office/powerpoint/2010/main" val="2333376631"/>
+      </p:ext>
+    </p:extLst>
+  </p:cSld>
+  <p:clrMapOvr>
+    <a:masterClrMapping/>
+  </p:clrMapOvr>
+</p:sld>
+</file>
+
+<file path=ppt/slides/slide6.xml><?xml version="1.0" encoding="utf-8"?>
 <p:sld xmlns:a="http://schemas.openxmlformats.org/drawingml/2006/main" xmlns:r="http://schemas.openxmlformats.org/officeDocument/2006/relationships" xmlns:p="http://schemas.openxmlformats.org/presentationml/2006/main">
   <p:cSld>
     <p:bg>
@@ -8390,115 +9612,7 @@
 </p:sld>
 </file>
 
-<file path=ppt/slides/slide4.xml><?xml version="1.0" encoding="utf-8"?>
-<p:sld xmlns:a="http://schemas.openxmlformats.org/drawingml/2006/main" xmlns:r="http://schemas.openxmlformats.org/officeDocument/2006/relationships" xmlns:p="http://schemas.openxmlformats.org/presentationml/2006/main">
-  <p:cSld>
-    <p:bg>
-      <p:bgPr>
-        <a:solidFill>
-          <a:schemeClr val="bg1"/>
-        </a:solidFill>
-        <a:effectLst/>
-      </p:bgPr>
-    </p:bg>
-    <p:spTree>
-      <p:nvGrpSpPr>
-        <p:cNvPr id="1" name=""/>
-        <p:cNvGrpSpPr/>
-        <p:nvPr/>
-      </p:nvGrpSpPr>
-      <p:grpSpPr>
-        <a:xfrm>
-          <a:off x="0" y="0"/>
-          <a:ext cx="0" cy="0"/>
-          <a:chOff x="0" y="0"/>
-          <a:chExt cx="0" cy="0"/>
-        </a:xfrm>
-      </p:grpSpPr>
-      <p:sp>
-        <p:nvSpPr>
-          <p:cNvPr id="2" name="Title 3">
-            <a:extLst>
-              <a:ext uri="{FF2B5EF4-FFF2-40B4-BE49-F238E27FC236}">
-                <a16:creationId xmlns:a16="http://schemas.microsoft.com/office/drawing/2014/main" id="{CEEB149B-5D24-EB47-B158-72A503940A63}"/>
-              </a:ext>
-            </a:extLst>
-          </p:cNvPr>
-          <p:cNvSpPr txBox="1">
-            <a:spLocks noGrp="1"/>
-          </p:cNvSpPr>
-          <p:nvPr>
-            <p:ph type="title"/>
-          </p:nvPr>
-        </p:nvSpPr>
-        <p:spPr>
-          <a:xfrm>
-            <a:off x="799246" y="1327863"/>
-            <a:ext cx="2206431" cy="1964240"/>
-          </a:xfrm>
-        </p:spPr>
-        <p:txBody>
-          <a:bodyPr>
-            <a:normAutofit/>
-          </a:bodyPr>
-          <a:lstStyle/>
-          <a:p>
-            <a:pPr lvl="0"/>
-            <a:r>
-              <a:rPr lang="en-US" sz="3100">
-                <a:solidFill>
-                  <a:srgbClr val="FFFFFF"/>
-                </a:solidFill>
-              </a:rPr>
-              <a:t>Http and Backend Integration</a:t>
-            </a:r>
-          </a:p>
-        </p:txBody>
-      </p:sp>
-      <p:pic>
-        <p:nvPicPr>
-          <p:cNvPr id="7" name="Picture 6">
-            <a:extLst>
-              <a:ext uri="{FF2B5EF4-FFF2-40B4-BE49-F238E27FC236}">
-                <a16:creationId xmlns:a16="http://schemas.microsoft.com/office/drawing/2014/main" id="{68B05A70-2548-9C47-85E6-4178C047BD07}"/>
-              </a:ext>
-            </a:extLst>
-          </p:cNvPr>
-          <p:cNvPicPr>
-            <a:picLocks noChangeAspect="1"/>
-          </p:cNvPicPr>
-          <p:nvPr/>
-        </p:nvPicPr>
-        <p:blipFill>
-          <a:blip r:embed="rId3"/>
-          <a:stretch>
-            <a:fillRect/>
-          </a:stretch>
-        </p:blipFill>
-        <p:spPr>
-          <a:xfrm>
-            <a:off x="1125415" y="593814"/>
-            <a:ext cx="7130268" cy="4728227"/>
-          </a:xfrm>
-          <a:prstGeom prst="rect">
-            <a:avLst/>
-          </a:prstGeom>
-        </p:spPr>
-      </p:pic>
-    </p:spTree>
-    <p:extLst>
-      <p:ext uri="{BB962C8B-B14F-4D97-AF65-F5344CB8AC3E}">
-        <p14:creationId xmlns:p14="http://schemas.microsoft.com/office/powerpoint/2010/main" val="2333376631"/>
-      </p:ext>
-    </p:extLst>
-  </p:cSld>
-  <p:clrMapOvr>
-    <a:masterClrMapping/>
-  </p:clrMapOvr>
-</p:sld>
-</file>
-
-<file path=ppt/slides/slide5.xml><?xml version="1.0" encoding="utf-8"?>
+<file path=ppt/slides/slide7.xml><?xml version="1.0" encoding="utf-8"?>
 <p:sld xmlns:a="http://schemas.openxmlformats.org/drawingml/2006/main" xmlns:r="http://schemas.openxmlformats.org/officeDocument/2006/relationships" xmlns:p="http://schemas.openxmlformats.org/presentationml/2006/main">
   <p:cSld>
     <p:bg>
@@ -9183,7 +10297,7 @@
 </p:sld>
 </file>
 
-<file path=ppt/slides/slide6.xml><?xml version="1.0" encoding="utf-8"?>
+<file path=ppt/slides/slide8.xml><?xml version="1.0" encoding="utf-8"?>
 <p:sld xmlns:a="http://schemas.openxmlformats.org/drawingml/2006/main" xmlns:r="http://schemas.openxmlformats.org/officeDocument/2006/relationships" xmlns:p="http://schemas.openxmlformats.org/presentationml/2006/main">
   <p:cSld>
     <p:bg>
@@ -9827,827 +10941,6 @@
 </p:sld>
 </file>
 
-<file path=ppt/slides/slide7.xml><?xml version="1.0" encoding="utf-8"?>
-<p:sld xmlns:a="http://schemas.openxmlformats.org/drawingml/2006/main" xmlns:r="http://schemas.openxmlformats.org/officeDocument/2006/relationships" xmlns:p="http://schemas.openxmlformats.org/presentationml/2006/main">
-  <p:cSld>
-    <p:bg>
-      <p:bgPr>
-        <a:solidFill>
-          <a:schemeClr val="bg1"/>
-        </a:solidFill>
-        <a:effectLst/>
-      </p:bgPr>
-    </p:bg>
-    <p:spTree>
-      <p:nvGrpSpPr>
-        <p:cNvPr id="1" name=""/>
-        <p:cNvGrpSpPr/>
-        <p:nvPr/>
-      </p:nvGrpSpPr>
-      <p:grpSpPr>
-        <a:xfrm>
-          <a:off x="0" y="0"/>
-          <a:ext cx="0" cy="0"/>
-          <a:chOff x="0" y="0"/>
-          <a:chExt cx="0" cy="0"/>
-        </a:xfrm>
-      </p:grpSpPr>
-      <p:sp useBgFill="1">
-        <p:nvSpPr>
-          <p:cNvPr id="8" name="Rectangle 7">
-            <a:extLst>
-              <a:ext uri="{FF2B5EF4-FFF2-40B4-BE49-F238E27FC236}">
-                <a16:creationId xmlns:a16="http://schemas.microsoft.com/office/drawing/2014/main" id="{E009DD9B-5EE2-4C0D-8B2B-351C8C102205}"/>
-              </a:ext>
-              <a:ext uri="{C183D7F6-B498-43B3-948B-1728B52AA6E4}">
-                <adec:decorative xmlns:adec="http://schemas.microsoft.com/office/drawing/2017/decorative" val="1"/>
-              </a:ext>
-            </a:extLst>
-          </p:cNvPr>
-          <p:cNvSpPr>
-            <a:spLocks noGrp="1" noRot="1" noChangeAspect="1" noMove="1" noResize="1" noEditPoints="1" noAdjustHandles="1" noChangeArrowheads="1" noChangeShapeType="1" noTextEdit="1"/>
-          </p:cNvSpPr>
-          <p:nvPr>
-            <p:extLst>
-              <p:ext uri="{386F3935-93C4-4BCD-93E2-E3B085C9AB24}">
-                <p16:designElem xmlns:p16="http://schemas.microsoft.com/office/powerpoint/2015/main" val="1"/>
-              </p:ext>
-            </p:extLst>
-          </p:nvPr>
-        </p:nvSpPr>
-        <p:spPr>
-          <a:xfrm>
-            <a:off x="0" y="0"/>
-            <a:ext cx="10077450" cy="7562850"/>
-          </a:xfrm>
-          <a:prstGeom prst="rect">
-            <a:avLst/>
-          </a:prstGeom>
-          <a:ln>
-            <a:noFill/>
-          </a:ln>
-        </p:spPr>
-        <p:style>
-          <a:lnRef idx="2">
-            <a:schemeClr val="accent1">
-              <a:shade val="50000"/>
-            </a:schemeClr>
-          </a:lnRef>
-          <a:fillRef idx="1">
-            <a:schemeClr val="accent1"/>
-          </a:fillRef>
-          <a:effectRef idx="0">
-            <a:schemeClr val="accent1"/>
-          </a:effectRef>
-          <a:fontRef idx="minor">
-            <a:schemeClr val="lt1"/>
-          </a:fontRef>
-        </p:style>
-        <p:txBody>
-          <a:bodyPr rtlCol="0" anchor="ctr"/>
-          <a:lstStyle/>
-          <a:p>
-            <a:pPr algn="ctr"/>
-            <a:endParaRPr lang="en-US"/>
-          </a:p>
-        </p:txBody>
-      </p:sp>
-      <p:sp>
-        <p:nvSpPr>
-          <p:cNvPr id="10" name="Rectangle 9">
-            <a:extLst>
-              <a:ext uri="{FF2B5EF4-FFF2-40B4-BE49-F238E27FC236}">
-                <a16:creationId xmlns:a16="http://schemas.microsoft.com/office/drawing/2014/main" id="{E720DB99-7745-4E75-9D96-AAB6D55C531E}"/>
-              </a:ext>
-              <a:ext uri="{C183D7F6-B498-43B3-948B-1728B52AA6E4}">
-                <adec:decorative xmlns:adec="http://schemas.microsoft.com/office/drawing/2017/decorative" val="1"/>
-              </a:ext>
-            </a:extLst>
-          </p:cNvPr>
-          <p:cNvSpPr>
-            <a:spLocks noGrp="1" noRot="1" noChangeAspect="1" noMove="1" noResize="1" noEditPoints="1" noAdjustHandles="1" noChangeArrowheads="1" noChangeShapeType="1" noTextEdit="1"/>
-          </p:cNvSpPr>
-          <p:nvPr>
-            <p:extLst>
-              <p:ext uri="{386F3935-93C4-4BCD-93E2-E3B085C9AB24}">
-                <p16:designElem xmlns:p16="http://schemas.microsoft.com/office/powerpoint/2015/main" val="1"/>
-              </p:ext>
-            </p:extLst>
-          </p:nvPr>
-        </p:nvSpPr>
-        <p:spPr>
-          <a:xfrm>
-            <a:off x="813754" y="511820"/>
-            <a:ext cx="8449941" cy="88975"/>
-          </a:xfrm>
-          <a:prstGeom prst="rect">
-            <a:avLst/>
-          </a:prstGeom>
-          <a:blipFill dpi="0" rotWithShape="1">
-            <a:blip r:embed="rId3">
-              <a:alphaModFix amt="85000"/>
-              <a:lum bright="70000" contrast="-70000"/>
-              <a:extLst>
-                <a:ext uri="{BEBA8EAE-BF5A-486C-A8C5-ECC9F3942E4B}">
-                  <a14:imgProps xmlns:a14="http://schemas.microsoft.com/office/drawing/2010/main">
-                    <a14:imgLayer r:embed="rId4">
-                      <a14:imgEffect>
-                        <a14:sharpenSoften amount="61000"/>
-                      </a14:imgEffect>
-                    </a14:imgLayer>
-                  </a14:imgProps>
-                </a:ext>
-                <a:ext uri="{28A0092B-C50C-407E-A947-70E740481C1C}">
-                  <a14:useLocalDpi xmlns:a14="http://schemas.microsoft.com/office/drawing/2010/main" val="0"/>
-                </a:ext>
-              </a:extLst>
-            </a:blip>
-            <a:srcRect/>
-            <a:tile tx="0" ty="-762000" sx="92000" sy="89000" flip="xy" algn="ctr"/>
-          </a:blipFill>
-          <a:ln>
-            <a:noFill/>
-          </a:ln>
-        </p:spPr>
-        <p:style>
-          <a:lnRef idx="2">
-            <a:schemeClr val="accent1">
-              <a:shade val="50000"/>
-            </a:schemeClr>
-          </a:lnRef>
-          <a:fillRef idx="1">
-            <a:schemeClr val="accent1"/>
-          </a:fillRef>
-          <a:effectRef idx="0">
-            <a:schemeClr val="accent1"/>
-          </a:effectRef>
-          <a:fontRef idx="minor">
-            <a:schemeClr val="lt1"/>
-          </a:fontRef>
-        </p:style>
-      </p:sp>
-      <p:sp>
-        <p:nvSpPr>
-          <p:cNvPr id="12" name="Rectangle 11">
-            <a:extLst>
-              <a:ext uri="{FF2B5EF4-FFF2-40B4-BE49-F238E27FC236}">
-                <a16:creationId xmlns:a16="http://schemas.microsoft.com/office/drawing/2014/main" id="{D68803C4-E159-4360-B7BB-74205C8F782D}"/>
-              </a:ext>
-              <a:ext uri="{C183D7F6-B498-43B3-948B-1728B52AA6E4}">
-                <adec:decorative xmlns:adec="http://schemas.microsoft.com/office/drawing/2017/decorative" val="1"/>
-              </a:ext>
-            </a:extLst>
-          </p:cNvPr>
-          <p:cNvSpPr>
-            <a:spLocks noGrp="1" noRot="1" noChangeAspect="1" noMove="1" noResize="1" noEditPoints="1" noAdjustHandles="1" noChangeArrowheads="1" noChangeShapeType="1" noTextEdit="1"/>
-          </p:cNvSpPr>
-          <p:nvPr>
-            <p:extLst>
-              <p:ext uri="{386F3935-93C4-4BCD-93E2-E3B085C9AB24}">
-                <p16:designElem xmlns:p16="http://schemas.microsoft.com/office/powerpoint/2015/main" val="1"/>
-              </p:ext>
-            </p:extLst>
-          </p:nvPr>
-        </p:nvSpPr>
-        <p:spPr>
-          <a:xfrm>
-            <a:off x="813754" y="663819"/>
-            <a:ext cx="8449941" cy="1528311"/>
-          </a:xfrm>
-          <a:prstGeom prst="rect">
-            <a:avLst/>
-          </a:prstGeom>
-          <a:blipFill dpi="0" rotWithShape="1">
-            <a:blip r:embed="rId3">
-              <a:alphaModFix amt="85000"/>
-              <a:lum bright="70000" contrast="-70000"/>
-              <a:extLst>
-                <a:ext uri="{BEBA8EAE-BF5A-486C-A8C5-ECC9F3942E4B}">
-                  <a14:imgProps xmlns:a14="http://schemas.microsoft.com/office/drawing/2010/main">
-                    <a14:imgLayer r:embed="rId4">
-                      <a14:imgEffect>
-                        <a14:sharpenSoften amount="61000"/>
-                      </a14:imgEffect>
-                    </a14:imgLayer>
-                  </a14:imgProps>
-                </a:ext>
-                <a:ext uri="{28A0092B-C50C-407E-A947-70E740481C1C}">
-                  <a14:useLocalDpi xmlns:a14="http://schemas.microsoft.com/office/drawing/2010/main" val="0"/>
-                </a:ext>
-              </a:extLst>
-            </a:blip>
-            <a:srcRect/>
-            <a:tile tx="0" ty="-704850" sx="92000" sy="89000" flip="xy" algn="ctr"/>
-          </a:blipFill>
-          <a:ln>
-            <a:noFill/>
-          </a:ln>
-        </p:spPr>
-        <p:style>
-          <a:lnRef idx="2">
-            <a:schemeClr val="accent1">
-              <a:shade val="50000"/>
-            </a:schemeClr>
-          </a:lnRef>
-          <a:fillRef idx="1">
-            <a:schemeClr val="accent1"/>
-          </a:fillRef>
-          <a:effectRef idx="0">
-            <a:schemeClr val="accent1"/>
-          </a:effectRef>
-          <a:fontRef idx="minor">
-            <a:schemeClr val="lt1"/>
-          </a:fontRef>
-        </p:style>
-      </p:sp>
-      <p:sp>
-        <p:nvSpPr>
-          <p:cNvPr id="14" name="Rectangle 13">
-            <a:extLst>
-              <a:ext uri="{FF2B5EF4-FFF2-40B4-BE49-F238E27FC236}">
-                <a16:creationId xmlns:a16="http://schemas.microsoft.com/office/drawing/2014/main" id="{504B0465-3B07-49BF-BEA7-D81476246293}"/>
-              </a:ext>
-              <a:ext uri="{C183D7F6-B498-43B3-948B-1728B52AA6E4}">
-                <adec:decorative xmlns:adec="http://schemas.microsoft.com/office/drawing/2017/decorative" val="1"/>
-              </a:ext>
-            </a:extLst>
-          </p:cNvPr>
-          <p:cNvSpPr>
-            <a:spLocks noGrp="1" noRot="1" noChangeAspect="1" noMove="1" noResize="1" noEditPoints="1" noAdjustHandles="1" noChangeArrowheads="1" noChangeShapeType="1" noTextEdit="1"/>
-          </p:cNvSpPr>
-          <p:nvPr>
-            <p:extLst>
-              <p:ext uri="{386F3935-93C4-4BCD-93E2-E3B085C9AB24}">
-                <p16:designElem xmlns:p16="http://schemas.microsoft.com/office/powerpoint/2015/main" val="1"/>
-              </p:ext>
-            </p:extLst>
-          </p:nvPr>
-        </p:nvSpPr>
-        <p:spPr>
-          <a:xfrm>
-            <a:off x="813754" y="2248183"/>
-            <a:ext cx="8449941" cy="88975"/>
-          </a:xfrm>
-          <a:prstGeom prst="rect">
-            <a:avLst/>
-          </a:prstGeom>
-          <a:blipFill dpi="0" rotWithShape="1">
-            <a:blip r:embed="rId3">
-              <a:alphaModFix amt="85000"/>
-              <a:lum bright="70000" contrast="-70000"/>
-              <a:extLst>
-                <a:ext uri="{BEBA8EAE-BF5A-486C-A8C5-ECC9F3942E4B}">
-                  <a14:imgProps xmlns:a14="http://schemas.microsoft.com/office/drawing/2010/main">
-                    <a14:imgLayer r:embed="rId4">
-                      <a14:imgEffect>
-                        <a14:sharpenSoften amount="61000"/>
-                      </a14:imgEffect>
-                    </a14:imgLayer>
-                  </a14:imgProps>
-                </a:ext>
-                <a:ext uri="{28A0092B-C50C-407E-A947-70E740481C1C}">
-                  <a14:useLocalDpi xmlns:a14="http://schemas.microsoft.com/office/drawing/2010/main" val="0"/>
-                </a:ext>
-              </a:extLst>
-            </a:blip>
-            <a:srcRect/>
-            <a:tile tx="0" ty="-717550" sx="92000" sy="89000" flip="xy" algn="ctr"/>
-          </a:blipFill>
-          <a:ln>
-            <a:noFill/>
-          </a:ln>
-        </p:spPr>
-        <p:style>
-          <a:lnRef idx="2">
-            <a:schemeClr val="accent1">
-              <a:shade val="50000"/>
-            </a:schemeClr>
-          </a:lnRef>
-          <a:fillRef idx="1">
-            <a:schemeClr val="accent1"/>
-          </a:fillRef>
-          <a:effectRef idx="0">
-            <a:schemeClr val="accent1"/>
-          </a:effectRef>
-          <a:fontRef idx="minor">
-            <a:schemeClr val="lt1"/>
-          </a:fontRef>
-        </p:style>
-      </p:sp>
-      <p:sp>
-        <p:nvSpPr>
-          <p:cNvPr id="2" name="Title 3">
-            <a:extLst>
-              <a:ext uri="{FF2B5EF4-FFF2-40B4-BE49-F238E27FC236}">
-                <a16:creationId xmlns:a16="http://schemas.microsoft.com/office/drawing/2014/main" id="{CEEB149B-5D24-EB47-B158-72A503940A63}"/>
-              </a:ext>
-            </a:extLst>
-          </p:cNvPr>
-          <p:cNvSpPr txBox="1">
-            <a:spLocks noGrp="1"/>
-          </p:cNvSpPr>
-          <p:nvPr>
-            <p:ph type="title"/>
-          </p:nvPr>
-        </p:nvSpPr>
-        <p:spPr>
-          <a:xfrm>
-            <a:off x="884296" y="534441"/>
-            <a:ext cx="8313896" cy="1774749"/>
-          </a:xfrm>
-        </p:spPr>
-        <p:txBody>
-          <a:bodyPr>
-            <a:normAutofit/>
-          </a:bodyPr>
-          <a:lstStyle/>
-          <a:p>
-            <a:pPr lvl="0"/>
-            <a:r>
-              <a:rPr lang="en-US" dirty="0"/>
-              <a:t>TEST UTILITIES</a:t>
-            </a:r>
-          </a:p>
-        </p:txBody>
-      </p:sp>
-      <p:sp>
-        <p:nvSpPr>
-          <p:cNvPr id="3" name="Content Placeholder 4">
-            <a:extLst>
-              <a:ext uri="{FF2B5EF4-FFF2-40B4-BE49-F238E27FC236}">
-                <a16:creationId xmlns:a16="http://schemas.microsoft.com/office/drawing/2014/main" id="{2ABE6EC9-66FD-AA48-A9EC-B7C307C9A05F}"/>
-              </a:ext>
-            </a:extLst>
-          </p:cNvPr>
-          <p:cNvSpPr txBox="1">
-            <a:spLocks noGrp="1"/>
-          </p:cNvSpPr>
-          <p:nvPr>
-            <p:ph idx="1"/>
-          </p:nvPr>
-        </p:nvSpPr>
-        <p:spPr>
-          <a:xfrm>
-            <a:off x="884296" y="2558898"/>
-            <a:ext cx="8313896" cy="4247665"/>
-          </a:xfrm>
-        </p:spPr>
-        <p:txBody>
-          <a:bodyPr>
-            <a:normAutofit lnSpcReduction="10000"/>
-          </a:bodyPr>
-          <a:lstStyle/>
-          <a:p>
-            <a:pPr marL="342900" lvl="0" indent="-342900">
-              <a:buSzPct val="100000"/>
-              <a:buFont typeface="Arial" panose="020B0604020202020204" pitchFamily="34" charset="0"/>
-              <a:buChar char="•"/>
-            </a:pPr>
-            <a:r>
-              <a:rPr lang="en-US" dirty="0"/>
-              <a:t>Test for component created</a:t>
-            </a:r>
-          </a:p>
-          <a:p>
-            <a:pPr marL="342900" lvl="0" indent="-342900">
-              <a:buSzPct val="100000"/>
-              <a:buFont typeface="Arial" panose="020B0604020202020204" pitchFamily="34" charset="0"/>
-              <a:buChar char="•"/>
-            </a:pPr>
-            <a:r>
-              <a:rPr lang="en-US" dirty="0"/>
-              <a:t>Fixture holds created component – truthy means existent</a:t>
-            </a:r>
-          </a:p>
-          <a:p>
-            <a:pPr marL="342900" lvl="0" indent="-342900">
-              <a:buSzPct val="100000"/>
-              <a:buFont typeface="Arial" panose="020B0604020202020204" pitchFamily="34" charset="0"/>
-              <a:buChar char="•"/>
-            </a:pPr>
-            <a:r>
-              <a:rPr lang="en-US" dirty="0" err="1"/>
-              <a:t>debugElement</a:t>
-            </a:r>
-            <a:r>
-              <a:rPr lang="en-US" dirty="0"/>
-              <a:t> lets us examine the component</a:t>
-            </a:r>
-          </a:p>
-          <a:p>
-            <a:pPr marL="342900" lvl="0" indent="-342900">
-              <a:buSzPct val="100000"/>
-              <a:buFont typeface="Arial" panose="020B0604020202020204" pitchFamily="34" charset="0"/>
-              <a:buChar char="•"/>
-            </a:pPr>
-            <a:r>
-              <a:rPr lang="en-US" dirty="0"/>
-              <a:t>expect is a testing package provided by testing package such as karma or Jasmine</a:t>
-            </a:r>
-          </a:p>
-          <a:p>
-            <a:pPr marL="342900" lvl="0" indent="-342900">
-              <a:buSzPct val="100000"/>
-              <a:buFont typeface="Arial" panose="020B0604020202020204" pitchFamily="34" charset="0"/>
-              <a:buChar char="•"/>
-            </a:pPr>
-            <a:r>
-              <a:rPr lang="en-US" dirty="0"/>
-              <a:t>Expect app to have a property of a title with a value of the existing title</a:t>
-            </a:r>
-          </a:p>
-          <a:p>
-            <a:pPr marL="342900" lvl="0" indent="-342900">
-              <a:buSzPct val="100000"/>
-              <a:buFont typeface="Arial" panose="020B0604020202020204" pitchFamily="34" charset="0"/>
-              <a:buChar char="•"/>
-            </a:pPr>
-            <a:r>
-              <a:rPr lang="en-US" dirty="0" err="1"/>
-              <a:t>detectChanges</a:t>
-            </a:r>
-            <a:r>
-              <a:rPr lang="en-US" dirty="0"/>
-              <a:t> triggers change detection</a:t>
-            </a:r>
-          </a:p>
-          <a:p>
-            <a:pPr marL="342900" lvl="0" indent="-342900">
-              <a:buSzPct val="100000"/>
-              <a:buFont typeface="Arial" panose="020B0604020202020204" pitchFamily="34" charset="0"/>
-              <a:buChar char="•"/>
-            </a:pPr>
-            <a:r>
-              <a:rPr lang="en-US" dirty="0"/>
-              <a:t>We can expect certain elements such as h1 element and containing some specific text value</a:t>
-            </a:r>
-          </a:p>
-          <a:p>
-            <a:pPr marL="342900" lvl="0" indent="-342900">
-              <a:buSzPct val="100000"/>
-              <a:buFont typeface="Arial" panose="020B0604020202020204" pitchFamily="34" charset="0"/>
-              <a:buChar char="•"/>
-            </a:pPr>
-            <a:r>
-              <a:rPr lang="en-US" dirty="0"/>
-              <a:t>ng test will run the test cli</a:t>
-            </a:r>
-          </a:p>
-          <a:p>
-            <a:pPr marL="342900" lvl="0" indent="-342900">
-              <a:buSzPct val="100000"/>
-              <a:buFont typeface="Arial" panose="020B0604020202020204" pitchFamily="34" charset="0"/>
-              <a:buChar char="•"/>
-            </a:pPr>
-            <a:endParaRPr lang="en-US" dirty="0"/>
-          </a:p>
-          <a:p>
-            <a:pPr marL="342900" lvl="0" indent="-342900">
-              <a:buSzPct val="100000"/>
-              <a:buFont typeface="Arial" panose="020B0604020202020204" pitchFamily="34" charset="0"/>
-              <a:buChar char="•"/>
-            </a:pPr>
-            <a:endParaRPr lang="en-US" dirty="0"/>
-          </a:p>
-        </p:txBody>
-      </p:sp>
-      <p:sp>
-        <p:nvSpPr>
-          <p:cNvPr id="16" name="Oval 15">
-            <a:extLst>
-              <a:ext uri="{FF2B5EF4-FFF2-40B4-BE49-F238E27FC236}">
-                <a16:creationId xmlns:a16="http://schemas.microsoft.com/office/drawing/2014/main" id="{49B7FFA5-14CB-4A4F-9BCC-CA3AA5D9D276}"/>
-              </a:ext>
-              <a:ext uri="{C183D7F6-B498-43B3-948B-1728B52AA6E4}">
-                <adec:decorative xmlns:adec="http://schemas.microsoft.com/office/drawing/2017/decorative" val="1"/>
-              </a:ext>
-            </a:extLst>
-          </p:cNvPr>
-          <p:cNvSpPr>
-            <a:spLocks noGrp="1" noRot="1" noChangeAspect="1" noMove="1" noResize="1" noEditPoints="1" noAdjustHandles="1" noChangeArrowheads="1" noChangeShapeType="1" noTextEdit="1"/>
-          </p:cNvSpPr>
-          <p:nvPr>
-            <p:extLst>
-              <p:ext uri="{386F3935-93C4-4BCD-93E2-E3B085C9AB24}">
-                <p16:designElem xmlns:p16="http://schemas.microsoft.com/office/powerpoint/2015/main" val="1"/>
-              </p:ext>
-            </p:extLst>
-          </p:nvPr>
-        </p:nvSpPr>
-        <p:spPr>
-          <a:xfrm>
-            <a:off x="9424238" y="6869953"/>
-            <a:ext cx="377904" cy="504190"/>
-          </a:xfrm>
-          <a:prstGeom prst="ellipse">
-            <a:avLst/>
-          </a:prstGeom>
-          <a:blipFill dpi="0" rotWithShape="1">
-            <a:blip r:embed="rId5">
-              <a:duotone>
-                <a:schemeClr val="accent1">
-                  <a:shade val="45000"/>
-                  <a:satMod val="135000"/>
-                </a:schemeClr>
-                <a:prstClr val="white"/>
-              </a:duotone>
-            </a:blip>
-            <a:srcRect/>
-            <a:tile tx="50800" ty="0" sx="85000" sy="85000" flip="none" algn="tl"/>
-          </a:blipFill>
-          <a:ln w="25400" cap="flat" cmpd="sng" algn="ctr">
-            <a:noFill/>
-            <a:prstDash val="solid"/>
-          </a:ln>
-          <a:effectLst/>
-        </p:spPr>
-        <p:txBody>
-          <a:bodyPr lIns="0" tIns="0" rIns="0" bIns="0" rtlCol="0" anchor="ctr"/>
-          <a:lstStyle/>
-          <a:p>
-            <a:pPr marL="0" marR="0" lvl="0" indent="0" algn="ctr" defTabSz="914400" eaLnBrk="1" fontAlgn="auto" latinLnBrk="0" hangingPunct="1">
-              <a:lnSpc>
-                <a:spcPct val="100000"/>
-              </a:lnSpc>
-              <a:spcBef>
-                <a:spcPts val="0"/>
-              </a:spcBef>
-              <a:spcAft>
-                <a:spcPts val="0"/>
-              </a:spcAft>
-              <a:buClrTx/>
-              <a:buSzTx/>
-              <a:buFontTx/>
-              <a:buNone/>
-              <a:tabLst/>
-              <a:defRPr/>
-            </a:pPr>
-            <a:endParaRPr kumimoji="0" lang="en-US" sz="2000" b="0" i="0" u="none" strike="noStrike" kern="0" cap="none" spc="0" normalizeH="0" baseline="0" noProof="0" dirty="0">
-              <a:ln>
-                <a:noFill/>
-              </a:ln>
-              <a:solidFill>
-                <a:prstClr val="white"/>
-              </a:solidFill>
-              <a:effectLst/>
-              <a:uLnTx/>
-              <a:uFillTx/>
-              <a:latin typeface="Rockwell Extra Bold" pitchFamily="18" charset="0"/>
-              <a:ea typeface="+mn-ea"/>
-              <a:cs typeface="+mn-cs"/>
-            </a:endParaRPr>
-          </a:p>
-        </p:txBody>
-      </p:sp>
-      <p:sp>
-        <p:nvSpPr>
-          <p:cNvPr id="20" name="Oval 17">
-            <a:extLst>
-              <a:ext uri="{FF2B5EF4-FFF2-40B4-BE49-F238E27FC236}">
-                <a16:creationId xmlns:a16="http://schemas.microsoft.com/office/drawing/2014/main" id="{04E48745-7512-4EC2-9E20-9092D12150CA}"/>
-              </a:ext>
-              <a:ext uri="{C183D7F6-B498-43B3-948B-1728B52AA6E4}">
-                <adec:decorative xmlns:adec="http://schemas.microsoft.com/office/drawing/2017/decorative" val="1"/>
-              </a:ext>
-            </a:extLst>
-          </p:cNvPr>
-          <p:cNvSpPr>
-            <a:spLocks noGrp="1" noRot="1" noChangeAspect="1" noMove="1" noResize="1" noEditPoints="1" noAdjustHandles="1" noChangeArrowheads="1" noChangeShapeType="1" noTextEdit="1"/>
-          </p:cNvSpPr>
-          <p:nvPr>
-            <p:extLst>
-              <p:ext uri="{386F3935-93C4-4BCD-93E2-E3B085C9AB24}">
-                <p16:designElem xmlns:p16="http://schemas.microsoft.com/office/powerpoint/2015/main" val="1"/>
-              </p:ext>
-            </p:extLst>
-          </p:nvPr>
-        </p:nvSpPr>
-        <p:spPr>
-          <a:xfrm>
-            <a:off x="9448368" y="6902147"/>
-            <a:ext cx="329644" cy="439804"/>
-          </a:xfrm>
-          <a:prstGeom prst="ellipse">
-            <a:avLst/>
-          </a:prstGeom>
-          <a:noFill/>
-          <a:ln w="12700" cap="flat" cmpd="sng" algn="ctr">
-            <a:solidFill>
-              <a:srgbClr val="FFFFFF"/>
-            </a:solidFill>
-            <a:prstDash val="solid"/>
-          </a:ln>
-          <a:effectLst/>
-        </p:spPr>
-        <p:txBody>
-          <a:bodyPr rtlCol="0" anchor="ctr"/>
-          <a:lstStyle/>
-          <a:p>
-            <a:pPr marL="0" marR="0" lvl="0" indent="0" algn="ctr" defTabSz="914400" eaLnBrk="1" fontAlgn="auto" latinLnBrk="0" hangingPunct="1">
-              <a:lnSpc>
-                <a:spcPct val="100000"/>
-              </a:lnSpc>
-              <a:spcBef>
-                <a:spcPts val="0"/>
-              </a:spcBef>
-              <a:spcAft>
-                <a:spcPts val="0"/>
-              </a:spcAft>
-              <a:buClrTx/>
-              <a:buSzTx/>
-              <a:buFontTx/>
-              <a:buNone/>
-              <a:tabLst/>
-              <a:defRPr/>
-            </a:pPr>
-            <a:endParaRPr kumimoji="0" lang="en-US" sz="1800" b="0" i="0" u="none" strike="noStrike" kern="0" cap="none" spc="0" normalizeH="0" baseline="0" noProof="0" dirty="0">
-              <a:ln>
-                <a:noFill/>
-              </a:ln>
-              <a:solidFill>
-                <a:prstClr val="white"/>
-              </a:solidFill>
-              <a:effectLst/>
-              <a:uLnTx/>
-              <a:uFillTx/>
-              <a:latin typeface="Calibri"/>
-              <a:ea typeface="+mn-ea"/>
-              <a:cs typeface="+mn-cs"/>
-            </a:endParaRPr>
-          </a:p>
-        </p:txBody>
-      </p:sp>
-    </p:spTree>
-    <p:extLst>
-      <p:ext uri="{BB962C8B-B14F-4D97-AF65-F5344CB8AC3E}">
-        <p14:creationId xmlns:p14="http://schemas.microsoft.com/office/powerpoint/2010/main" val="938962336"/>
-      </p:ext>
-    </p:extLst>
-  </p:cSld>
-  <p:clrMapOvr>
-    <a:masterClrMapping/>
-  </p:clrMapOvr>
-</p:sld>
-</file>
-
-<file path=ppt/slides/slide8.xml><?xml version="1.0" encoding="utf-8"?>
-<p:sld xmlns:a="http://schemas.openxmlformats.org/drawingml/2006/main" xmlns:r="http://schemas.openxmlformats.org/officeDocument/2006/relationships" xmlns:p="http://schemas.openxmlformats.org/presentationml/2006/main">
-  <p:cSld>
-    <p:spTree>
-      <p:nvGrpSpPr>
-        <p:cNvPr id="1" name=""/>
-        <p:cNvGrpSpPr/>
-        <p:nvPr/>
-      </p:nvGrpSpPr>
-      <p:grpSpPr>
-        <a:xfrm>
-          <a:off x="0" y="0"/>
-          <a:ext cx="0" cy="0"/>
-          <a:chOff x="0" y="0"/>
-          <a:chExt cx="0" cy="0"/>
-        </a:xfrm>
-      </p:grpSpPr>
-      <p:sp>
-        <p:nvSpPr>
-          <p:cNvPr id="2" name="Title 1">
-            <a:extLst>
-              <a:ext uri="{FF2B5EF4-FFF2-40B4-BE49-F238E27FC236}">
-                <a16:creationId xmlns:a16="http://schemas.microsoft.com/office/drawing/2014/main" id="{8F754DA0-EF72-4242-87F9-008DFAEEE9D8}"/>
-              </a:ext>
-            </a:extLst>
-          </p:cNvPr>
-          <p:cNvSpPr>
-            <a:spLocks noGrp="1"/>
-          </p:cNvSpPr>
-          <p:nvPr>
-            <p:ph type="title"/>
-          </p:nvPr>
-        </p:nvSpPr>
-        <p:spPr/>
-        <p:txBody>
-          <a:bodyPr/>
-          <a:lstStyle/>
-          <a:p>
-            <a:r>
-              <a:rPr lang="en-US" dirty="0"/>
-              <a:t>CREATING UNIT TEST</a:t>
-            </a:r>
-          </a:p>
-        </p:txBody>
-      </p:sp>
-      <p:sp>
-        <p:nvSpPr>
-          <p:cNvPr id="3" name="Content Placeholder 2">
-            <a:extLst>
-              <a:ext uri="{FF2B5EF4-FFF2-40B4-BE49-F238E27FC236}">
-                <a16:creationId xmlns:a16="http://schemas.microsoft.com/office/drawing/2014/main" id="{6E3237C3-1B39-684F-B974-EA0D5C0CFE9A}"/>
-              </a:ext>
-            </a:extLst>
-          </p:cNvPr>
-          <p:cNvSpPr>
-            <a:spLocks noGrp="1"/>
-          </p:cNvSpPr>
-          <p:nvPr>
-            <p:ph idx="1"/>
-          </p:nvPr>
-        </p:nvSpPr>
-        <p:spPr/>
-        <p:txBody>
-          <a:bodyPr/>
-          <a:lstStyle/>
-          <a:p>
-            <a:r>
-              <a:rPr lang="en-US" dirty="0"/>
-              <a:t>Create a new component</a:t>
-            </a:r>
-          </a:p>
-          <a:p>
-            <a:r>
-              <a:rPr lang="en-US" dirty="0"/>
-              <a:t>ng g c user</a:t>
-            </a:r>
-          </a:p>
-          <a:p>
-            <a:endParaRPr lang="en-US" dirty="0"/>
-          </a:p>
-        </p:txBody>
-      </p:sp>
-      <p:graphicFrame>
-        <p:nvGraphicFramePr>
-          <p:cNvPr id="4" name="Object 3">
-            <a:extLst>
-              <a:ext uri="{FF2B5EF4-FFF2-40B4-BE49-F238E27FC236}">
-                <a16:creationId xmlns:a16="http://schemas.microsoft.com/office/drawing/2014/main" id="{D66A3E95-8160-3842-8388-E9266D009013}"/>
-              </a:ext>
-            </a:extLst>
-          </p:cNvPr>
-          <p:cNvGraphicFramePr>
-            <a:graphicFrameLocks noChangeAspect="1"/>
-          </p:cNvGraphicFramePr>
-          <p:nvPr>
-            <p:extLst>
-              <p:ext uri="{D42A27DB-BD31-4B8C-83A1-F6EECF244321}">
-                <p14:modId xmlns:p14="http://schemas.microsoft.com/office/powerpoint/2010/main" val="3042583727"/>
-              </p:ext>
-            </p:extLst>
-          </p:nvPr>
-        </p:nvGraphicFramePr>
-        <p:xfrm>
-          <a:off x="808722" y="3401573"/>
-          <a:ext cx="7556500" cy="1727200"/>
-        </p:xfrm>
-        <a:graphic>
-          <a:graphicData uri="http://schemas.openxmlformats.org/presentationml/2006/ole">
-            <mc:AlternateContent xmlns:mc="http://schemas.openxmlformats.org/markup-compatibility/2006">
-              <mc:Choice xmlns:v="urn:schemas-microsoft-com:vml" Requires="v">
-                <p:oleObj spid="_x0000_s331817" name="Document" r:id="rId3" imgW="7556500" imgH="1727200" progId="Word.Document.12">
-                  <p:embed/>
-                </p:oleObj>
-              </mc:Choice>
-              <mc:Fallback>
-                <p:oleObj name="Document" r:id="rId3" imgW="7556500" imgH="1727200" progId="Word.Document.12">
-                  <p:embed/>
-                  <p:pic>
-                    <p:nvPicPr>
-                      <p:cNvPr id="0" name=""/>
-                      <p:cNvPicPr/>
-                      <p:nvPr/>
-                    </p:nvPicPr>
-                    <p:blipFill>
-                      <a:blip r:embed="rId4"/>
-                      <a:stretch>
-                        <a:fillRect/>
-                      </a:stretch>
-                    </p:blipFill>
-                    <p:spPr>
-                      <a:xfrm>
-                        <a:off x="808722" y="3401573"/>
-                        <a:ext cx="7556500" cy="1727200"/>
-                      </a:xfrm>
-                      <a:prstGeom prst="rect">
-                        <a:avLst/>
-                      </a:prstGeom>
-                    </p:spPr>
-                  </p:pic>
-                </p:oleObj>
-              </mc:Fallback>
-            </mc:AlternateContent>
-          </a:graphicData>
-        </a:graphic>
-      </p:graphicFrame>
-    </p:spTree>
-    <p:extLst>
-      <p:ext uri="{BB962C8B-B14F-4D97-AF65-F5344CB8AC3E}">
-        <p14:creationId xmlns:p14="http://schemas.microsoft.com/office/powerpoint/2010/main" val="3990524643"/>
-      </p:ext>
-    </p:extLst>
-  </p:cSld>
-  <p:clrMapOvr>
-    <a:masterClrMapping/>
-  </p:clrMapOvr>
-</p:sld>
-</file>
-
 <file path=ppt/slides/slide9.xml><?xml version="1.0" encoding="utf-8"?>
 <p:sld xmlns:a="http://schemas.openxmlformats.org/drawingml/2006/main" xmlns:r="http://schemas.openxmlformats.org/officeDocument/2006/relationships" xmlns:p="http://schemas.openxmlformats.org/presentationml/2006/main">
   <p:cSld>
@@ -10665,107 +10958,40 @@
           <a:chExt cx="0" cy="0"/>
         </a:xfrm>
       </p:grpSpPr>
-      <p:sp>
-        <p:nvSpPr>
-          <p:cNvPr id="2" name="Title 1">
+      <p:pic>
+        <p:nvPicPr>
+          <p:cNvPr id="9" name="Picture 8">
             <a:extLst>
               <a:ext uri="{FF2B5EF4-FFF2-40B4-BE49-F238E27FC236}">
-                <a16:creationId xmlns:a16="http://schemas.microsoft.com/office/drawing/2014/main" id="{8F754DA0-EF72-4242-87F9-008DFAEEE9D8}"/>
+                <a16:creationId xmlns:a16="http://schemas.microsoft.com/office/drawing/2014/main" id="{3D4319B2-7E75-B246-8B93-F181C85ADF98}"/>
               </a:ext>
             </a:extLst>
           </p:cNvPr>
-          <p:cNvSpPr>
-            <a:spLocks noGrp="1"/>
-          </p:cNvSpPr>
-          <p:nvPr>
-            <p:ph type="title"/>
-          </p:nvPr>
-        </p:nvSpPr>
-        <p:spPr/>
-        <p:txBody>
-          <a:bodyPr/>
-          <a:lstStyle/>
-          <a:p>
-            <a:r>
-              <a:rPr lang="en-US" dirty="0"/>
-              <a:t>CREATING UNIT TEST</a:t>
-            </a:r>
-          </a:p>
-        </p:txBody>
-      </p:sp>
-      <p:graphicFrame>
-        <p:nvGraphicFramePr>
-          <p:cNvPr id="4" name="Object 3">
-            <a:extLst>
-              <a:ext uri="{FF2B5EF4-FFF2-40B4-BE49-F238E27FC236}">
-                <a16:creationId xmlns:a16="http://schemas.microsoft.com/office/drawing/2014/main" id="{D66A3E95-8160-3842-8388-E9266D009013}"/>
-              </a:ext>
-            </a:extLst>
-          </p:cNvPr>
-          <p:cNvGraphicFramePr>
-            <a:graphicFrameLocks noChangeAspect="1"/>
-          </p:cNvGraphicFramePr>
-          <p:nvPr>
-            <p:extLst>
-              <p:ext uri="{D42A27DB-BD31-4B8C-83A1-F6EECF244321}">
-                <p14:modId xmlns:p14="http://schemas.microsoft.com/office/powerpoint/2010/main" val="2032124833"/>
-              </p:ext>
-            </p:extLst>
-          </p:nvPr>
-        </p:nvGraphicFramePr>
-        <p:xfrm>
-          <a:off x="1083212" y="1768463"/>
-          <a:ext cx="4882784" cy="5317721"/>
-        </p:xfrm>
-        <a:graphic>
-          <a:graphicData uri="http://schemas.openxmlformats.org/presentationml/2006/ole">
-            <mc:AlternateContent xmlns:mc="http://schemas.openxmlformats.org/markup-compatibility/2006">
-              <mc:Choice xmlns:v="urn:schemas-microsoft-com:vml" Requires="v">
-                <p:oleObj spid="_x0000_s332841" name="Document" r:id="rId3" imgW="7556500" imgH="8229600" progId="Word.Document.12">
-                  <p:embed/>
-                </p:oleObj>
-              </mc:Choice>
-              <mc:Fallback>
-                <p:oleObj name="Document" r:id="rId3" imgW="7556500" imgH="8229600" progId="Word.Document.12">
-                  <p:embed/>
-                  <p:pic>
-                    <p:nvPicPr>
-                      <p:cNvPr id="4" name="Object 3">
-                        <a:extLst>
-                          <a:ext uri="{FF2B5EF4-FFF2-40B4-BE49-F238E27FC236}">
-                            <a16:creationId xmlns:a16="http://schemas.microsoft.com/office/drawing/2014/main" id="{D66A3E95-8160-3842-8388-E9266D009013}"/>
-                          </a:ext>
-                        </a:extLst>
-                      </p:cNvPr>
-                      <p:cNvPicPr/>
-                      <p:nvPr/>
-                    </p:nvPicPr>
-                    <p:blipFill>
-                      <a:blip r:embed="rId4"/>
-                      <a:stretch>
-                        <a:fillRect/>
-                      </a:stretch>
-                    </p:blipFill>
-                    <p:spPr>
-                      <a:xfrm>
-                        <a:off x="1083212" y="1768463"/>
-                        <a:ext cx="4882784" cy="5317721"/>
-                      </a:xfrm>
-                      <a:prstGeom prst="rect">
-                        <a:avLst/>
-                      </a:prstGeom>
-                    </p:spPr>
-                  </p:pic>
-                </p:oleObj>
-              </mc:Fallback>
-            </mc:AlternateContent>
-          </a:graphicData>
-        </a:graphic>
-      </p:graphicFrame>
+          <p:cNvPicPr>
+            <a:picLocks noChangeAspect="1"/>
+          </p:cNvPicPr>
+          <p:nvPr/>
+        </p:nvPicPr>
+        <p:blipFill>
+          <a:blip r:embed="rId3"/>
+          <a:stretch>
+            <a:fillRect/>
+          </a:stretch>
+        </p:blipFill>
+        <p:spPr>
+          <a:xfrm>
+            <a:off x="1385769" y="1671844"/>
+            <a:ext cx="7559333" cy="4219162"/>
+          </a:xfrm>
+          <a:prstGeom prst="rect">
+            <a:avLst/>
+          </a:prstGeom>
+        </p:spPr>
+      </p:pic>
     </p:spTree>
     <p:extLst>
       <p:ext uri="{BB962C8B-B14F-4D97-AF65-F5344CB8AC3E}">
-        <p14:creationId xmlns:p14="http://schemas.microsoft.com/office/powerpoint/2010/main" val="2749582093"/>
+        <p14:creationId xmlns:p14="http://schemas.microsoft.com/office/powerpoint/2010/main" val="4075002242"/>
       </p:ext>
     </p:extLst>
   </p:cSld>
